--- a/PasskeysPPT.pptx
+++ b/PasskeysPPT.pptx
@@ -258,8 +258,11 @@
     </a:lvl9pPr>
   </p:defaultTextStyle>
   <p:extLst>
+    <p:ext uri="{EFAFB233-063F-42B5-8137-9DF3F51BA10A}">
+      <p15:sldGuideLst xmlns:p15="http://schemas.microsoft.com/office/powerpoint/2012/main"/>
+    </p:ext>
     <p:ext uri="GoogleSlidesCustomDataVersion2">
-      <go:slidesCustomData xmlns:go="http://customooxmlschemas.google.com/" xmlns:ahyp="http://schemas.microsoft.com/office/drawing/2018/hyperlinkcolor" xmlns:p15="http://schemas.microsoft.com/office/powerpoint/2012/main" xmlns:p14="http://schemas.microsoft.com/office/powerpoint/2010/main" xmlns:com="http://schemas.openxmlformats.org/drawingml/2006/compatibility" xmlns:pvml="urn:schemas-microsoft-com:office:powerpoint" xmlns:v="urn:schemas-microsoft-com:vml" xmlns:o="urn:schemas-microsoft-com:office:office" xmlns:dgm="http://schemas.openxmlformats.org/drawingml/2006/diagram" xmlns:c="http://schemas.openxmlformats.org/drawingml/2006/chart" xmlns:mv="urn:schemas-microsoft-com:mac:vml" xmlns:mc="http://schemas.openxmlformats.org/markup-compatibility/2006" xmlns="" r:id="rId92" roundtripDataSignature="AMtx7mj+hSNzPzaNMuvHTqtLiwBBPZjXoA=="/>
+      <go:slidesCustomData xmlns="" xmlns:mc="http://schemas.openxmlformats.org/markup-compatibility/2006" xmlns:mv="urn:schemas-microsoft-com:mac:vml" xmlns:c="http://schemas.openxmlformats.org/drawingml/2006/chart" xmlns:dgm="http://schemas.openxmlformats.org/drawingml/2006/diagram" xmlns:o="urn:schemas-microsoft-com:office:office" xmlns:v="urn:schemas-microsoft-com:vml" xmlns:pvml="urn:schemas-microsoft-com:office:powerpoint" xmlns:com="http://schemas.openxmlformats.org/drawingml/2006/compatibility" xmlns:p14="http://schemas.microsoft.com/office/powerpoint/2010/main" xmlns:p15="http://schemas.microsoft.com/office/powerpoint/2012/main" xmlns:ahyp="http://schemas.microsoft.com/office/drawing/2018/hyperlinkcolor" xmlns:go="http://customooxmlschemas.google.com/" r:id="rId92" roundtripDataSignature="AMtx7mj+hSNzPzaNMuvHTqtLiwBBPZjXoA=="/>
     </p:ext>
   </p:extLst>
 </p:presentation>
@@ -3310,8 +3313,8 @@
         </p:nvSpPr>
         <p:spPr>
           <a:xfrm>
-            <a:off x="600402" y="988866"/>
-            <a:ext cx="21434012" cy="3172791"/>
+            <a:off x="1478226" y="1007154"/>
+            <a:ext cx="17705886" cy="3172791"/>
           </a:xfrm>
           <a:prstGeom prst="rect">
             <a:avLst/>
@@ -3367,8 +3370,8 @@
         </p:nvSpPr>
         <p:spPr>
           <a:xfrm>
-            <a:off x="789879" y="3507758"/>
-            <a:ext cx="22547196" cy="1828800"/>
+            <a:off x="1606242" y="5943600"/>
+            <a:ext cx="11780574" cy="1828800"/>
           </a:xfrm>
           <a:prstGeom prst="rect">
             <a:avLst/>
@@ -3428,235 +3431,6 @@
           </a:p>
         </p:txBody>
       </p:sp>
-      <p:pic>
-        <p:nvPicPr>
-          <p:cNvPr id="531" name="Google Shape;531;p1" descr="Interfaz de usuario gráfica, Aplicación&#10;&#10;El contenido generado por IA puede ser incorrecto."/>
-          <p:cNvPicPr preferRelativeResize="0"/>
-          <p:nvPr/>
-        </p:nvPicPr>
-        <p:blipFill rotWithShape="1">
-          <a:blip r:embed="rId3">
-            <a:alphaModFix/>
-          </a:blip>
-          <a:srcRect l="54881" t="38432" r="13069" b="30129"/>
-          <a:stretch/>
-        </p:blipFill>
-        <p:spPr>
-          <a:xfrm>
-            <a:off x="6295435" y="7699617"/>
-            <a:ext cx="4604531" cy="4522674"/>
-          </a:xfrm>
-          <a:prstGeom prst="rect">
-            <a:avLst/>
-          </a:prstGeom>
-          <a:noFill/>
-          <a:ln>
-            <a:noFill/>
-          </a:ln>
-        </p:spPr>
-      </p:pic>
-      <p:pic>
-        <p:nvPicPr>
-          <p:cNvPr id="532" name="Google Shape;532;p1" descr="Interfaz de usuario gráfica, Aplicación&#10;&#10;El contenido generado por IA puede ser incorrecto."/>
-          <p:cNvPicPr preferRelativeResize="0"/>
-          <p:nvPr/>
-        </p:nvPicPr>
-        <p:blipFill rotWithShape="1">
-          <a:blip r:embed="rId3">
-            <a:alphaModFix/>
-          </a:blip>
-          <a:srcRect l="11860" t="39036" r="58109" b="30866"/>
-          <a:stretch/>
-        </p:blipFill>
-        <p:spPr>
-          <a:xfrm>
-            <a:off x="1088058" y="7699617"/>
-            <a:ext cx="4458705" cy="4474929"/>
-          </a:xfrm>
-          <a:prstGeom prst="rect">
-            <a:avLst/>
-          </a:prstGeom>
-          <a:noFill/>
-          <a:ln>
-            <a:noFill/>
-          </a:ln>
-        </p:spPr>
-      </p:pic>
-      <p:sp>
-        <p:nvSpPr>
-          <p:cNvPr id="533" name="Google Shape;533;p1"/>
-          <p:cNvSpPr txBox="1"/>
-          <p:nvPr/>
-        </p:nvSpPr>
-        <p:spPr>
-          <a:xfrm>
-            <a:off x="1088057" y="12412477"/>
-            <a:ext cx="4458706" cy="1015663"/>
-          </a:xfrm>
-          <a:prstGeom prst="rect">
-            <a:avLst/>
-          </a:prstGeom>
-          <a:noFill/>
-          <a:ln>
-            <a:noFill/>
-          </a:ln>
-        </p:spPr>
-        <p:txBody>
-          <a:bodyPr spcFirstLastPara="1" wrap="square" lIns="91425" tIns="45700" rIns="91425" bIns="45700" anchor="t" anchorCtr="0">
-            <a:spAutoFit/>
-          </a:bodyPr>
-          <a:lstStyle/>
-          <a:p>
-            <a:pPr marL="0" marR="0" lvl="0" indent="0" algn="ctr" rtl="0">
-              <a:spcBef>
-                <a:spcPts val="0"/>
-              </a:spcBef>
-              <a:spcAft>
-                <a:spcPts val="0"/>
-              </a:spcAft>
-              <a:buNone/>
-            </a:pPr>
-            <a:r>
-              <a:rPr lang="en-US" sz="3600" b="0" i="0" u="none" strike="noStrike" cap="none">
-                <a:solidFill>
-                  <a:schemeClr val="lt1"/>
-                </a:solidFill>
-                <a:latin typeface="Poppins"/>
-                <a:ea typeface="Poppins"/>
-                <a:cs typeface="Poppins"/>
-                <a:sym typeface="Poppins"/>
-              </a:rPr>
-              <a:t>Illari Alvarez-Gil</a:t>
-            </a:r>
-            <a:endParaRPr/>
-          </a:p>
-          <a:p>
-            <a:pPr marL="0" marR="0" lvl="0" indent="0" algn="ctr" rtl="0">
-              <a:spcBef>
-                <a:spcPts val="0"/>
-              </a:spcBef>
-              <a:spcAft>
-                <a:spcPts val="0"/>
-              </a:spcAft>
-              <a:buNone/>
-            </a:pPr>
-            <a:r>
-              <a:rPr lang="en-US" sz="2400" b="0" i="0" u="none" strike="noStrike" cap="none">
-                <a:solidFill>
-                  <a:schemeClr val="lt1"/>
-                </a:solidFill>
-                <a:latin typeface="Poppins"/>
-                <a:ea typeface="Poppins"/>
-                <a:cs typeface="Poppins"/>
-                <a:sym typeface="Poppins"/>
-              </a:rPr>
-              <a:t>FULLSTACK DEVELOPER</a:t>
-            </a:r>
-            <a:endParaRPr/>
-          </a:p>
-        </p:txBody>
-      </p:sp>
-      <p:sp>
-        <p:nvSpPr>
-          <p:cNvPr id="534" name="Google Shape;534;p1"/>
-          <p:cNvSpPr txBox="1"/>
-          <p:nvPr/>
-        </p:nvSpPr>
-        <p:spPr>
-          <a:xfrm>
-            <a:off x="6295434" y="12355461"/>
-            <a:ext cx="4604531" cy="1015663"/>
-          </a:xfrm>
-          <a:prstGeom prst="rect">
-            <a:avLst/>
-          </a:prstGeom>
-          <a:noFill/>
-          <a:ln>
-            <a:noFill/>
-          </a:ln>
-        </p:spPr>
-        <p:txBody>
-          <a:bodyPr spcFirstLastPara="1" wrap="square" lIns="91425" tIns="45700" rIns="91425" bIns="45700" anchor="t" anchorCtr="0">
-            <a:spAutoFit/>
-          </a:bodyPr>
-          <a:lstStyle/>
-          <a:p>
-            <a:pPr marL="0" marR="0" lvl="0" indent="0" algn="ctr" rtl="0">
-              <a:spcBef>
-                <a:spcPts val="0"/>
-              </a:spcBef>
-              <a:spcAft>
-                <a:spcPts val="0"/>
-              </a:spcAft>
-              <a:buNone/>
-            </a:pPr>
-            <a:r>
-              <a:rPr lang="en-US" sz="3600" b="0" i="0" u="none" strike="noStrike" cap="none">
-                <a:solidFill>
-                  <a:schemeClr val="lt1"/>
-                </a:solidFill>
-                <a:latin typeface="Poppins"/>
-                <a:ea typeface="Poppins"/>
-                <a:cs typeface="Poppins"/>
-                <a:sym typeface="Poppins"/>
-              </a:rPr>
-              <a:t>Cristian Garrido</a:t>
-            </a:r>
-            <a:endParaRPr/>
-          </a:p>
-          <a:p>
-            <a:pPr marL="0" marR="0" lvl="0" indent="0" algn="ctr" rtl="0">
-              <a:spcBef>
-                <a:spcPts val="0"/>
-              </a:spcBef>
-              <a:spcAft>
-                <a:spcPts val="0"/>
-              </a:spcAft>
-              <a:buNone/>
-            </a:pPr>
-            <a:r>
-              <a:rPr lang="en-US" sz="2400" b="0" i="0" u="none" strike="noStrike" cap="none">
-                <a:solidFill>
-                  <a:schemeClr val="lt1"/>
-                </a:solidFill>
-                <a:latin typeface="Poppins"/>
-                <a:ea typeface="Poppins"/>
-                <a:cs typeface="Poppins"/>
-                <a:sym typeface="Poppins"/>
-              </a:rPr>
-              <a:t>FULLSTACK DEVELOPER</a:t>
-            </a:r>
-            <a:endParaRPr/>
-          </a:p>
-        </p:txBody>
-      </p:sp>
-      <p:pic>
-        <p:nvPicPr>
-          <p:cNvPr id="535" name="Google Shape;535;p1"/>
-          <p:cNvPicPr preferRelativeResize="0"/>
-          <p:nvPr/>
-        </p:nvPicPr>
-        <p:blipFill rotWithShape="1">
-          <a:blip r:embed="rId4">
-            <a:alphaModFix/>
-          </a:blip>
-          <a:srcRect/>
-          <a:stretch/>
-        </p:blipFill>
-        <p:spPr>
-          <a:xfrm>
-            <a:off x="3768524" y="5672253"/>
-            <a:ext cx="4829175" cy="2333625"/>
-          </a:xfrm>
-          <a:prstGeom prst="rect">
-            <a:avLst/>
-          </a:prstGeom>
-          <a:noFill/>
-          <a:ln>
-            <a:noFill/>
-          </a:ln>
-        </p:spPr>
-      </p:pic>
     </p:spTree>
   </p:cSld>
   <p:clrMapOvr>
@@ -3705,7 +3479,7 @@
         </p:blipFill>
         <p:spPr>
           <a:xfrm>
-            <a:off x="13179287" y="5923722"/>
+            <a:off x="16740601" y="7719392"/>
             <a:ext cx="4810539" cy="4716582"/>
           </a:xfrm>
           <a:prstGeom prst="rect">
@@ -3736,7 +3510,7 @@
         </p:blipFill>
         <p:spPr>
           <a:xfrm>
-            <a:off x="4731026" y="5903843"/>
+            <a:off x="3011954" y="7719392"/>
             <a:ext cx="4810539" cy="4671391"/>
           </a:xfrm>
           <a:prstGeom prst="rect">
@@ -3744,22 +3518,70 @@
           </a:prstGeom>
         </p:spPr>
       </p:pic>
+      <p:pic>
+        <p:nvPicPr>
+          <p:cNvPr id="531" name="Google Shape;531;p1" descr="Interfaz de usuario gráfica, Aplicación&#10;&#10;El contenido generado por IA puede ser incorrecto."/>
+          <p:cNvPicPr preferRelativeResize="0"/>
+          <p:nvPr/>
+        </p:nvPicPr>
+        <p:blipFill rotWithShape="1">
+          <a:blip r:embed="rId5">
+            <a:alphaModFix/>
+          </a:blip>
+          <a:srcRect l="54881" t="38432" r="13069" b="30129"/>
+          <a:stretch/>
+        </p:blipFill>
+        <p:spPr>
+          <a:xfrm>
+            <a:off x="16740601" y="1684604"/>
+            <a:ext cx="4604531" cy="4522674"/>
+          </a:xfrm>
+          <a:prstGeom prst="rect">
+            <a:avLst/>
+          </a:prstGeom>
+          <a:noFill/>
+          <a:ln>
+            <a:noFill/>
+          </a:ln>
+        </p:spPr>
+      </p:pic>
+      <p:pic>
+        <p:nvPicPr>
+          <p:cNvPr id="532" name="Google Shape;532;p1" descr="Interfaz de usuario gráfica, Aplicación&#10;&#10;El contenido generado por IA puede ser incorrecto."/>
+          <p:cNvPicPr preferRelativeResize="0"/>
+          <p:nvPr/>
+        </p:nvPicPr>
+        <p:blipFill rotWithShape="1">
+          <a:blip r:embed="rId5">
+            <a:alphaModFix/>
+          </a:blip>
+          <a:srcRect l="11860" t="39036" r="58109" b="30866"/>
+          <a:stretch/>
+        </p:blipFill>
+        <p:spPr>
+          <a:xfrm>
+            <a:off x="3187870" y="1708477"/>
+            <a:ext cx="4458705" cy="4474929"/>
+          </a:xfrm>
+          <a:prstGeom prst="rect">
+            <a:avLst/>
+          </a:prstGeom>
+          <a:noFill/>
+          <a:ln>
+            <a:noFill/>
+          </a:ln>
+        </p:spPr>
+      </p:pic>
       <p:sp>
         <p:nvSpPr>
-          <p:cNvPr id="6" name="Google Shape;545;p2">
-            <a:extLst>
-              <a:ext uri="{FF2B5EF4-FFF2-40B4-BE49-F238E27FC236}">
-                <a16:creationId xmlns:a16="http://schemas.microsoft.com/office/drawing/2014/main" id="{39CBE0D1-5D30-F9F5-CD79-3988E4D8BD9C}"/>
-              </a:ext>
-            </a:extLst>
-          </p:cNvPr>
+          <p:cNvPr id="533" name="Google Shape;533;p1"/>
           <p:cNvSpPr txBox="1"/>
           <p:nvPr/>
         </p:nvSpPr>
         <p:spPr>
           <a:xfrm>
-            <a:off x="6638596" y="5069068"/>
-            <a:ext cx="1233195" cy="834775"/>
+            <a:off x="3187870" y="6599907"/>
+            <a:ext cx="4458706" cy="1015663"/>
           </a:xfrm>
           <a:prstGeom prst="rect">
             <a:avLst/>
@@ -3771,67 +3593,69 @@
         </p:spPr>
         <p:txBody>
           <a:bodyPr spcFirstLastPara="1" wrap="square" lIns="91425" tIns="45700" rIns="91425" bIns="45700" anchor="t" anchorCtr="0">
-            <a:noAutofit/>
+            <a:spAutoFit/>
           </a:bodyPr>
           <a:lstStyle/>
           <a:p>
-            <a:pPr marL="0" marR="0" lvl="0" indent="0" algn="l" rtl="0">
-              <a:lnSpc>
-                <a:spcPct val="77777"/>
-              </a:lnSpc>
-              <a:spcBef>
-                <a:spcPts val="0"/>
-              </a:spcBef>
-              <a:spcAft>
-                <a:spcPts val="0"/>
-              </a:spcAft>
-              <a:buClr>
-                <a:srgbClr val="BBA7F1"/>
-              </a:buClr>
-              <a:buSzPts val="3600"/>
-              <a:buFont typeface="Arial"/>
+            <a:pPr marL="0" marR="0" lvl="0" indent="0" algn="ctr" rtl="0">
+              <a:spcBef>
+                <a:spcPts val="0"/>
+              </a:spcBef>
+              <a:spcAft>
+                <a:spcPts val="0"/>
+              </a:spcAft>
               <a:buNone/>
             </a:pPr>
             <a:r>
-              <a:rPr lang="en-US" sz="3600" b="0" u="none" dirty="0">
-                <a:solidFill>
-                  <a:srgbClr val="BBA7F1"/>
+              <a:rPr lang="en-US" sz="3600" b="0" i="0" u="none" strike="noStrike" cap="none" dirty="0">
+                <a:solidFill>
+                  <a:schemeClr val="lt1"/>
                 </a:solidFill>
                 <a:latin typeface="Poppins"/>
                 <a:ea typeface="Poppins"/>
                 <a:cs typeface="Poppins"/>
                 <a:sym typeface="Poppins"/>
               </a:rPr>
-              <a:t>Illari</a:t>
-            </a:r>
-            <a:endParaRPr sz="3600" b="0" u="none" dirty="0">
-              <a:solidFill>
-                <a:srgbClr val="BBA7F1"/>
-              </a:solidFill>
-              <a:latin typeface="Poppins"/>
-              <a:ea typeface="Poppins"/>
-              <a:cs typeface="Poppins"/>
-              <a:sym typeface="Poppins"/>
-            </a:endParaRPr>
+              <a:t>Illari Alvarez-Gil</a:t>
+            </a:r>
+            <a:endParaRPr dirty="0"/>
+          </a:p>
+          <a:p>
+            <a:pPr marL="0" marR="0" lvl="0" indent="0" algn="ctr" rtl="0">
+              <a:spcBef>
+                <a:spcPts val="0"/>
+              </a:spcBef>
+              <a:spcAft>
+                <a:spcPts val="0"/>
+              </a:spcAft>
+              <a:buNone/>
+            </a:pPr>
+            <a:r>
+              <a:rPr lang="en-US" sz="2400" b="0" i="0" u="none" strike="noStrike" cap="none" dirty="0">
+                <a:solidFill>
+                  <a:schemeClr val="lt1"/>
+                </a:solidFill>
+                <a:latin typeface="Poppins"/>
+                <a:ea typeface="Poppins"/>
+                <a:cs typeface="Poppins"/>
+                <a:sym typeface="Poppins"/>
+              </a:rPr>
+              <a:t>FULLSTACK DEVELOPER</a:t>
+            </a:r>
+            <a:endParaRPr dirty="0"/>
           </a:p>
         </p:txBody>
       </p:sp>
       <p:sp>
         <p:nvSpPr>
-          <p:cNvPr id="7" name="Google Shape;545;p2">
-            <a:extLst>
-              <a:ext uri="{FF2B5EF4-FFF2-40B4-BE49-F238E27FC236}">
-                <a16:creationId xmlns:a16="http://schemas.microsoft.com/office/drawing/2014/main" id="{43A4FDD2-AAD3-3C14-E36F-36F8593D7357}"/>
-              </a:ext>
-            </a:extLst>
-          </p:cNvPr>
+          <p:cNvPr id="534" name="Google Shape;534;p1"/>
           <p:cNvSpPr txBox="1"/>
           <p:nvPr/>
         </p:nvSpPr>
         <p:spPr>
           <a:xfrm>
-            <a:off x="14737262" y="5069068"/>
-            <a:ext cx="2249693" cy="834775"/>
+            <a:off x="16636408" y="6599907"/>
+            <a:ext cx="4604531" cy="1015663"/>
           </a:xfrm>
           <a:prstGeom prst="rect">
             <a:avLst/>
@@ -3843,111 +3667,90 @@
         </p:spPr>
         <p:txBody>
           <a:bodyPr spcFirstLastPara="1" wrap="square" lIns="91425" tIns="45700" rIns="91425" bIns="45700" anchor="t" anchorCtr="0">
-            <a:noAutofit/>
+            <a:spAutoFit/>
           </a:bodyPr>
           <a:lstStyle/>
           <a:p>
-            <a:pPr marL="0" marR="0" lvl="0" indent="0" algn="l" rtl="0">
-              <a:lnSpc>
-                <a:spcPct val="77777"/>
-              </a:lnSpc>
-              <a:spcBef>
-                <a:spcPts val="0"/>
-              </a:spcBef>
-              <a:spcAft>
-                <a:spcPts val="0"/>
-              </a:spcAft>
-              <a:buClr>
-                <a:srgbClr val="BBA7F1"/>
-              </a:buClr>
-              <a:buSzPts val="3600"/>
-              <a:buFont typeface="Arial"/>
+            <a:pPr marL="0" marR="0" lvl="0" indent="0" algn="ctr" rtl="0">
+              <a:spcBef>
+                <a:spcPts val="0"/>
+              </a:spcBef>
+              <a:spcAft>
+                <a:spcPts val="0"/>
+              </a:spcAft>
               <a:buNone/>
             </a:pPr>
             <a:r>
-              <a:rPr lang="es-ES" sz="3600" b="0" u="none" dirty="0">
-                <a:solidFill>
-                  <a:srgbClr val="BBA7F1"/>
+              <a:rPr lang="en-US" sz="3600" b="0" i="0" u="none" strike="noStrike" cap="none" dirty="0">
+                <a:solidFill>
+                  <a:schemeClr val="lt1"/>
                 </a:solidFill>
                 <a:latin typeface="Poppins"/>
                 <a:ea typeface="Poppins"/>
                 <a:cs typeface="Poppins"/>
                 <a:sym typeface="Poppins"/>
               </a:rPr>
-              <a:t>Cristian</a:t>
-            </a:r>
-            <a:endParaRPr sz="3600" b="0" u="none" dirty="0">
-              <a:solidFill>
-                <a:srgbClr val="BBA7F1"/>
-              </a:solidFill>
-              <a:latin typeface="Poppins"/>
-              <a:ea typeface="Poppins"/>
-              <a:cs typeface="Poppins"/>
-              <a:sym typeface="Poppins"/>
-            </a:endParaRPr>
+              <a:t>Cristian Garrido</a:t>
+            </a:r>
+            <a:endParaRPr dirty="0"/>
+          </a:p>
+          <a:p>
+            <a:pPr marL="0" marR="0" lvl="0" indent="0" algn="ctr" rtl="0">
+              <a:spcBef>
+                <a:spcPts val="0"/>
+              </a:spcBef>
+              <a:spcAft>
+                <a:spcPts val="0"/>
+              </a:spcAft>
+              <a:buNone/>
+            </a:pPr>
+            <a:r>
+              <a:rPr lang="en-US" sz="2400" b="0" i="0" u="none" strike="noStrike" cap="none" dirty="0">
+                <a:solidFill>
+                  <a:schemeClr val="lt1"/>
+                </a:solidFill>
+                <a:latin typeface="Poppins"/>
+                <a:ea typeface="Poppins"/>
+                <a:cs typeface="Poppins"/>
+                <a:sym typeface="Poppins"/>
+              </a:rPr>
+              <a:t>FULLSTACK DEVELOPER</a:t>
+            </a:r>
+            <a:endParaRPr dirty="0"/>
           </a:p>
         </p:txBody>
       </p:sp>
-      <p:sp>
-        <p:nvSpPr>
-          <p:cNvPr id="8" name="Google Shape;550;p3">
+      <p:pic>
+        <p:nvPicPr>
+          <p:cNvPr id="4" name="Imagen 3" descr="Logotipo, nombre de la empresa">
             <a:extLst>
               <a:ext uri="{FF2B5EF4-FFF2-40B4-BE49-F238E27FC236}">
-                <a16:creationId xmlns:a16="http://schemas.microsoft.com/office/drawing/2014/main" id="{37820CA2-BB11-CD33-90B0-8D977716CA4F}"/>
+                <a16:creationId xmlns:a16="http://schemas.microsoft.com/office/drawing/2014/main" id="{7F139B79-4938-8397-9953-768A29505F4D}"/>
               </a:ext>
             </a:extLst>
           </p:cNvPr>
-          <p:cNvSpPr/>
+          <p:cNvPicPr>
+            <a:picLocks noChangeAspect="1"/>
+          </p:cNvPicPr>
           <p:nvPr/>
-        </p:nvSpPr>
+        </p:nvPicPr>
+        <p:blipFill>
+          <a:blip r:embed="rId6"/>
+          <a:srcRect t="33318" b="29482"/>
+          <a:stretch>
+            <a:fillRect/>
+          </a:stretch>
+        </p:blipFill>
         <p:spPr>
           <a:xfrm>
-            <a:off x="1042867" y="1092194"/>
-            <a:ext cx="20286507" cy="1794933"/>
+            <a:off x="8908260" y="5674617"/>
+            <a:ext cx="6362271" cy="2366765"/>
           </a:xfrm>
           <a:prstGeom prst="rect">
             <a:avLst/>
           </a:prstGeom>
-          <a:noFill/>
-          <a:ln>
-            <a:noFill/>
-          </a:ln>
         </p:spPr>
-        <p:txBody>
-          <a:bodyPr spcFirstLastPara="1" wrap="square" lIns="0" tIns="0" rIns="0" bIns="0" anchor="ctr" anchorCtr="0">
-            <a:noAutofit/>
-          </a:bodyPr>
-          <a:lstStyle/>
-          <a:p>
-            <a:pPr marL="0" marR="0" lvl="0" indent="0" algn="l" rtl="0">
-              <a:spcBef>
-                <a:spcPts val="0"/>
-              </a:spcBef>
-              <a:spcAft>
-                <a:spcPts val="0"/>
-              </a:spcAft>
-              <a:buClr>
-                <a:schemeClr val="lt1"/>
-              </a:buClr>
-              <a:buSzPts val="10000"/>
-              <a:buFont typeface="Poppins"/>
-              <a:buNone/>
-            </a:pPr>
-            <a:r>
-              <a:rPr lang="en-US" sz="10000" dirty="0">
-                <a:solidFill>
-                  <a:schemeClr val="lt1"/>
-                </a:solidFill>
-                <a:latin typeface="Poppins"/>
-                <a:cs typeface="Poppins"/>
-                <a:sym typeface="Poppins"/>
-              </a:rPr>
-              <a:t>Follow us!</a:t>
-            </a:r>
-            <a:endParaRPr dirty="0"/>
-          </a:p>
-        </p:txBody>
-      </p:sp>
+      </p:pic>
     </p:spTree>
   </p:cSld>
   <p:clrMapOvr>
@@ -4835,8 +4638,8 @@
         </p:nvSpPr>
         <p:spPr>
           <a:xfrm>
-            <a:off x="1207605" y="4123154"/>
-            <a:ext cx="6128234" cy="7478970"/>
+            <a:off x="1042866" y="3125740"/>
+            <a:ext cx="21871851" cy="4031873"/>
           </a:xfrm>
           <a:prstGeom prst="rect">
             <a:avLst/>
@@ -4951,7 +4754,7 @@
                 <a:latin typeface="Poppins" panose="00000500000000000000" pitchFamily="2" charset="0"/>
                 <a:cs typeface="Poppins" panose="00000500000000000000" pitchFamily="2" charset="0"/>
               </a:rPr>
-              <a:t>solo en el 	dispositivo</a:t>
+              <a:t>solo en el dispositivo</a:t>
             </a:r>
           </a:p>
           <a:p>
@@ -4964,7 +4767,7 @@
                 <a:latin typeface="Poppins" panose="00000500000000000000" pitchFamily="2" charset="0"/>
                 <a:cs typeface="Poppins" panose="00000500000000000000" pitchFamily="2" charset="0"/>
               </a:rPr>
-              <a:t>	- </a:t>
+              <a:t>	-  </a:t>
             </a:r>
             <a:r>
               <a:rPr lang="es-ES" sz="3200" dirty="0">
@@ -4994,20 +4797,7 @@
                 <a:latin typeface="Poppins" panose="00000500000000000000" pitchFamily="2" charset="0"/>
                 <a:cs typeface="Poppins" panose="00000500000000000000" pitchFamily="2" charset="0"/>
               </a:rPr>
-              <a:t> →</a:t>
-            </a:r>
-          </a:p>
-          <a:p>
-            <a:pPr lvl="1"/>
-            <a:r>
-              <a:rPr lang="es-ES" sz="3200" dirty="0">
-                <a:solidFill>
-                  <a:schemeClr val="bg1"/>
-                </a:solidFill>
-                <a:latin typeface="Poppins" panose="00000500000000000000" pitchFamily="2" charset="0"/>
-                <a:cs typeface="Poppins" panose="00000500000000000000" pitchFamily="2" charset="0"/>
-              </a:rPr>
-              <a:t>	 se envía y almacena en 	el servidor del servicio</a:t>
+              <a:t> →         se envía y almacena en el servidor del servicio</a:t>
             </a:r>
           </a:p>
           <a:p>
@@ -5064,8 +4854,8 @@
         </p:nvSpPr>
         <p:spPr>
           <a:xfrm>
-            <a:off x="8408504" y="4123154"/>
-            <a:ext cx="6500191" cy="6001643"/>
+            <a:off x="1042866" y="6284067"/>
+            <a:ext cx="19713805" cy="3046988"/>
           </a:xfrm>
           <a:prstGeom prst="rect">
             <a:avLst/>
@@ -5137,19 +4927,6 @@
             </a:r>
           </a:p>
           <a:p>
-            <a:pPr marL="457200" indent="-457200">
-              <a:buFontTx/>
-              <a:buChar char="-"/>
-            </a:pPr>
-            <a:endParaRPr lang="es-ES" sz="3200" dirty="0">
-              <a:solidFill>
-                <a:schemeClr val="bg1"/>
-              </a:solidFill>
-              <a:latin typeface="Poppins" panose="00000500000000000000" pitchFamily="2" charset="0"/>
-              <a:cs typeface="Poppins" panose="00000500000000000000" pitchFamily="2" charset="0"/>
-            </a:endParaRPr>
-          </a:p>
-          <a:p>
             <a:r>
               <a:rPr lang="es-ES" sz="3200" dirty="0">
                 <a:solidFill>
@@ -5180,19 +4957,6 @@
               </a:rPr>
               <a:t>.</a:t>
             </a:r>
-          </a:p>
-          <a:p>
-            <a:pPr marL="457200" indent="-457200">
-              <a:buFontTx/>
-              <a:buChar char="-"/>
-            </a:pPr>
-            <a:endParaRPr lang="es-ES" sz="3200" dirty="0">
-              <a:solidFill>
-                <a:schemeClr val="bg1"/>
-              </a:solidFill>
-              <a:latin typeface="Poppins" panose="00000500000000000000" pitchFamily="2" charset="0"/>
-              <a:cs typeface="Poppins" panose="00000500000000000000" pitchFamily="2" charset="0"/>
-            </a:endParaRPr>
           </a:p>
           <a:p>
             <a:r>
@@ -5265,8 +5029,8 @@
         </p:nvSpPr>
         <p:spPr>
           <a:xfrm>
-            <a:off x="15981360" y="4097538"/>
-            <a:ext cx="6128234" cy="2062103"/>
+            <a:off x="1042866" y="9805430"/>
+            <a:ext cx="19201949" cy="1569660"/>
           </a:xfrm>
           <a:prstGeom prst="rect">
             <a:avLst/>
@@ -5390,8 +5154,8 @@
         </p:nvSpPr>
         <p:spPr>
           <a:xfrm>
-            <a:off x="1042867" y="1092194"/>
-            <a:ext cx="20286507" cy="1794933"/>
+            <a:off x="1053631" y="771079"/>
+            <a:ext cx="11812104" cy="1794933"/>
           </a:xfrm>
           <a:prstGeom prst="rect">
             <a:avLst/>
@@ -5422,7 +5186,7 @@
               <a:buNone/>
             </a:pPr>
             <a:r>
-              <a:rPr lang="en-US" sz="10000">
+              <a:rPr lang="en-US" sz="10000" dirty="0">
                 <a:solidFill>
                   <a:schemeClr val="lt1"/>
                 </a:solidFill>
@@ -5431,9 +5195,33 @@
                 <a:cs typeface="Poppins"/>
                 <a:sym typeface="Poppins"/>
               </a:rPr>
-              <a:t>Passkeys en .NET</a:t>
-            </a:r>
-            <a:endParaRPr/>
+              <a:t>Passkeys </a:t>
+            </a:r>
+            <a:r>
+              <a:rPr lang="en-US" sz="10000" dirty="0" err="1">
+                <a:solidFill>
+                  <a:schemeClr val="lt1"/>
+                </a:solidFill>
+                <a:latin typeface="Poppins"/>
+                <a:ea typeface="Poppins"/>
+                <a:cs typeface="Poppins"/>
+                <a:sym typeface="Poppins"/>
+              </a:rPr>
+              <a:t>en</a:t>
+            </a:r>
+            <a:r>
+              <a:rPr lang="en-US" sz="10000" dirty="0">
+                <a:solidFill>
+                  <a:schemeClr val="lt1"/>
+                </a:solidFill>
+                <a:latin typeface="Poppins"/>
+                <a:ea typeface="Poppins"/>
+                <a:cs typeface="Poppins"/>
+                <a:sym typeface="Poppins"/>
+              </a:rPr>
+              <a:t> .NET</a:t>
+            </a:r>
+            <a:endParaRPr dirty="0"/>
           </a:p>
         </p:txBody>
       </p:sp>
@@ -5445,8 +5233,8 @@
         </p:nvSpPr>
         <p:spPr>
           <a:xfrm>
-            <a:off x="1042867" y="2854500"/>
-            <a:ext cx="12790703" cy="8007000"/>
+            <a:off x="14034578" y="2999884"/>
+            <a:ext cx="6366821" cy="7716232"/>
           </a:xfrm>
           <a:prstGeom prst="rect">
             <a:avLst/>
@@ -5471,441 +5259,7 @@
               </a:spcAft>
               <a:buNone/>
             </a:pPr>
-            <a:r>
-              <a:rPr lang="en-US" sz="1800" dirty="0" err="1">
-                <a:solidFill>
-                  <a:schemeClr val="lt1"/>
-                </a:solidFill>
-              </a:rPr>
-              <a:t>SignManager</a:t>
-            </a:r>
-            <a:endParaRPr sz="1800" dirty="0">
-              <a:solidFill>
-                <a:schemeClr val="lt1"/>
-              </a:solidFill>
-            </a:endParaRPr>
-          </a:p>
-          <a:p>
-            <a:pPr marL="457200" lvl="0" indent="-317500" algn="l" rtl="0">
-              <a:lnSpc>
-                <a:spcPct val="135714"/>
-              </a:lnSpc>
-              <a:spcBef>
-                <a:spcPts val="0"/>
-              </a:spcBef>
-              <a:spcAft>
-                <a:spcPts val="0"/>
-              </a:spcAft>
-              <a:buClr>
-                <a:schemeClr val="lt1"/>
-              </a:buClr>
-              <a:buSzPts val="1400"/>
-              <a:buChar char="-"/>
-            </a:pPr>
-            <a:r>
-              <a:rPr lang="en-US" sz="1800" dirty="0" err="1">
-                <a:solidFill>
-                  <a:srgbClr val="DCDCAA"/>
-                </a:solidFill>
-                <a:highlight>
-                  <a:srgbClr val="1F1F1F"/>
-                </a:highlight>
-                <a:latin typeface="Courier New"/>
-                <a:ea typeface="Courier New"/>
-                <a:cs typeface="Courier New"/>
-                <a:sym typeface="Courier New"/>
-              </a:rPr>
-              <a:t>PerformPasskeyAttestationAsync</a:t>
-            </a:r>
-            <a:endParaRPr sz="1800" dirty="0">
-              <a:solidFill>
-                <a:srgbClr val="DCDCAA"/>
-              </a:solidFill>
-              <a:highlight>
-                <a:srgbClr val="1F1F1F"/>
-              </a:highlight>
-              <a:latin typeface="Courier New"/>
-              <a:ea typeface="Courier New"/>
-              <a:cs typeface="Courier New"/>
-              <a:sym typeface="Courier New"/>
-            </a:endParaRPr>
-          </a:p>
-          <a:p>
-            <a:pPr marL="457200" lvl="0" indent="-317500" algn="l" rtl="0">
-              <a:spcBef>
-                <a:spcPts val="0"/>
-              </a:spcBef>
-              <a:spcAft>
-                <a:spcPts val="0"/>
-              </a:spcAft>
-              <a:buClr>
-                <a:schemeClr val="lt1"/>
-              </a:buClr>
-              <a:buSzPts val="1400"/>
-              <a:buChar char="-"/>
-            </a:pPr>
-            <a:r>
-              <a:rPr lang="en-US" sz="1800" dirty="0" err="1">
-                <a:solidFill>
-                  <a:schemeClr val="lt1"/>
-                </a:solidFill>
-              </a:rPr>
-              <a:t>PasskeySignInAsync</a:t>
-            </a:r>
-            <a:endParaRPr sz="1800" dirty="0">
-              <a:solidFill>
-                <a:schemeClr val="lt1"/>
-              </a:solidFill>
-            </a:endParaRPr>
-          </a:p>
-          <a:p>
-            <a:pPr marL="0" lvl="0" indent="0" algn="l" rtl="0">
-              <a:spcBef>
-                <a:spcPts val="0"/>
-              </a:spcBef>
-              <a:spcAft>
-                <a:spcPts val="0"/>
-              </a:spcAft>
-              <a:buNone/>
-            </a:pPr>
-            <a:r>
-              <a:rPr lang="en-US" sz="1800" dirty="0" err="1">
-                <a:solidFill>
-                  <a:schemeClr val="lt1"/>
-                </a:solidFill>
-              </a:rPr>
-              <a:t>UserManager</a:t>
-            </a:r>
-            <a:endParaRPr sz="1800" dirty="0">
-              <a:solidFill>
-                <a:schemeClr val="lt1"/>
-              </a:solidFill>
-            </a:endParaRPr>
-          </a:p>
-          <a:p>
-            <a:pPr marL="457200" lvl="0" indent="-317500" algn="l" rtl="0">
-              <a:lnSpc>
-                <a:spcPct val="135714"/>
-              </a:lnSpc>
-              <a:spcBef>
-                <a:spcPts val="0"/>
-              </a:spcBef>
-              <a:spcAft>
-                <a:spcPts val="0"/>
-              </a:spcAft>
-              <a:buClr>
-                <a:schemeClr val="lt1"/>
-              </a:buClr>
-              <a:buSzPts val="1400"/>
-              <a:buChar char="-"/>
-            </a:pPr>
-            <a:r>
-              <a:rPr lang="en-US" sz="1800" dirty="0" err="1">
-                <a:solidFill>
-                  <a:srgbClr val="DCDCAA"/>
-                </a:solidFill>
-                <a:highlight>
-                  <a:srgbClr val="1F1F1F"/>
-                </a:highlight>
-                <a:latin typeface="Courier New"/>
-                <a:ea typeface="Courier New"/>
-                <a:cs typeface="Courier New"/>
-                <a:sym typeface="Courier New"/>
-              </a:rPr>
-              <a:t>AddOrUpdatePasskeyAsync</a:t>
-            </a:r>
-            <a:endParaRPr sz="1800" dirty="0">
-              <a:solidFill>
-                <a:srgbClr val="DCDCAA"/>
-              </a:solidFill>
-              <a:highlight>
-                <a:srgbClr val="1F1F1F"/>
-              </a:highlight>
-              <a:latin typeface="Courier New"/>
-              <a:ea typeface="Courier New"/>
-              <a:cs typeface="Courier New"/>
-              <a:sym typeface="Courier New"/>
-            </a:endParaRPr>
-          </a:p>
-          <a:p>
-            <a:pPr marL="457200" lvl="0" indent="-295275" algn="l" rtl="0">
-              <a:lnSpc>
-                <a:spcPct val="135714"/>
-              </a:lnSpc>
-              <a:spcBef>
-                <a:spcPts val="0"/>
-              </a:spcBef>
-              <a:spcAft>
-                <a:spcPts val="0"/>
-              </a:spcAft>
-              <a:buClr>
-                <a:srgbClr val="DCDCAA"/>
-              </a:buClr>
-              <a:buSzPts val="1050"/>
-              <a:buFont typeface="Courier New"/>
-              <a:buChar char="-"/>
-            </a:pPr>
-            <a:r>
-              <a:rPr lang="en-US" sz="1800" dirty="0" err="1">
-                <a:solidFill>
-                  <a:srgbClr val="DCDCAA"/>
-                </a:solidFill>
-                <a:highlight>
-                  <a:srgbClr val="1F1F1F"/>
-                </a:highlight>
-                <a:latin typeface="Courier New"/>
-                <a:ea typeface="Courier New"/>
-                <a:cs typeface="Courier New"/>
-                <a:sym typeface="Courier New"/>
-              </a:rPr>
-              <a:t>GetPasskeysAsync</a:t>
-            </a:r>
-            <a:endParaRPr sz="1800" dirty="0">
-              <a:solidFill>
-                <a:srgbClr val="DCDCAA"/>
-              </a:solidFill>
-              <a:highlight>
-                <a:srgbClr val="1F1F1F"/>
-              </a:highlight>
-              <a:latin typeface="Courier New"/>
-              <a:ea typeface="Courier New"/>
-              <a:cs typeface="Courier New"/>
-              <a:sym typeface="Courier New"/>
-            </a:endParaRPr>
-          </a:p>
-          <a:p>
-            <a:pPr marL="457200" lvl="0" indent="-295275" algn="l" rtl="0">
-              <a:lnSpc>
-                <a:spcPct val="135714"/>
-              </a:lnSpc>
-              <a:spcBef>
-                <a:spcPts val="0"/>
-              </a:spcBef>
-              <a:spcAft>
-                <a:spcPts val="0"/>
-              </a:spcAft>
-              <a:buClr>
-                <a:srgbClr val="DCDCAA"/>
-              </a:buClr>
-              <a:buSzPts val="1050"/>
-              <a:buFont typeface="Courier New"/>
-              <a:buChar char="-"/>
-            </a:pPr>
-            <a:r>
-              <a:rPr lang="en-US" sz="1800" dirty="0" err="1">
-                <a:solidFill>
-                  <a:srgbClr val="DCDCAA"/>
-                </a:solidFill>
-                <a:highlight>
-                  <a:srgbClr val="1F1F1F"/>
-                </a:highlight>
-                <a:latin typeface="Courier New"/>
-                <a:ea typeface="Courier New"/>
-                <a:cs typeface="Courier New"/>
-                <a:sym typeface="Courier New"/>
-              </a:rPr>
-              <a:t>RemovePasskeyAsync</a:t>
-            </a:r>
-            <a:endParaRPr sz="1800" dirty="0">
-              <a:solidFill>
-                <a:srgbClr val="DCDCAA"/>
-              </a:solidFill>
-              <a:highlight>
-                <a:srgbClr val="1F1F1F"/>
-              </a:highlight>
-              <a:latin typeface="Courier New"/>
-              <a:ea typeface="Courier New"/>
-              <a:cs typeface="Courier New"/>
-              <a:sym typeface="Courier New"/>
-            </a:endParaRPr>
-          </a:p>
-          <a:p>
-            <a:pPr marL="0" lvl="0" indent="0" algn="l" rtl="0">
-              <a:spcBef>
-                <a:spcPts val="0"/>
-              </a:spcBef>
-              <a:spcAft>
-                <a:spcPts val="0"/>
-              </a:spcAft>
-              <a:buNone/>
-            </a:pPr>
-            <a:r>
-              <a:rPr lang="en-US" sz="1800" dirty="0">
-                <a:solidFill>
-                  <a:schemeClr val="lt1"/>
-                </a:solidFill>
-              </a:rPr>
-              <a:t>Blazor component</a:t>
-            </a:r>
-            <a:endParaRPr sz="1800" dirty="0">
-              <a:solidFill>
-                <a:schemeClr val="lt1"/>
-              </a:solidFill>
-            </a:endParaRPr>
-          </a:p>
-          <a:p>
-            <a:pPr marL="457200" lvl="0" indent="-317500" algn="l" rtl="0">
-              <a:spcBef>
-                <a:spcPts val="0"/>
-              </a:spcBef>
-              <a:spcAft>
-                <a:spcPts val="0"/>
-              </a:spcAft>
-              <a:buClr>
-                <a:schemeClr val="lt1"/>
-              </a:buClr>
-              <a:buSzPts val="1400"/>
-              <a:buChar char="-"/>
-            </a:pPr>
-            <a:r>
-              <a:rPr lang="en-US" sz="1800" dirty="0">
-                <a:solidFill>
-                  <a:schemeClr val="lt1"/>
-                </a:solidFill>
-              </a:rPr>
-              <a:t>&lt;passkey-submit&gt;</a:t>
-            </a:r>
-            <a:endParaRPr sz="1800" dirty="0">
-              <a:solidFill>
-                <a:schemeClr val="lt1"/>
-              </a:solidFill>
-            </a:endParaRPr>
-          </a:p>
-          <a:p>
-            <a:pPr marL="0" lvl="0" indent="0" algn="l" rtl="0">
-              <a:spcBef>
-                <a:spcPts val="0"/>
-              </a:spcBef>
-              <a:spcAft>
-                <a:spcPts val="0"/>
-              </a:spcAft>
-              <a:buNone/>
-            </a:pPr>
-            <a:endParaRPr sz="1800" dirty="0">
-              <a:solidFill>
-                <a:schemeClr val="lt1"/>
-              </a:solidFill>
-            </a:endParaRPr>
-          </a:p>
-          <a:p>
-            <a:pPr marL="0" lvl="0" indent="0" algn="l" rtl="0">
-              <a:spcBef>
-                <a:spcPts val="0"/>
-              </a:spcBef>
-              <a:spcAft>
-                <a:spcPts val="0"/>
-              </a:spcAft>
-              <a:buNone/>
-            </a:pPr>
-            <a:r>
-              <a:rPr lang="en-US" sz="1800" dirty="0">
-                <a:solidFill>
-                  <a:schemeClr val="lt1"/>
-                </a:solidFill>
-              </a:rPr>
-              <a:t>Format:</a:t>
-            </a:r>
-            <a:endParaRPr sz="1800" dirty="0">
-              <a:solidFill>
-                <a:schemeClr val="lt1"/>
-              </a:solidFill>
-            </a:endParaRPr>
-          </a:p>
-          <a:p>
-            <a:pPr marL="457200" lvl="0" indent="-317500" algn="l" rtl="0">
-              <a:spcBef>
-                <a:spcPts val="0"/>
-              </a:spcBef>
-              <a:spcAft>
-                <a:spcPts val="0"/>
-              </a:spcAft>
-              <a:buClr>
-                <a:schemeClr val="lt1"/>
-              </a:buClr>
-              <a:buSzPts val="1400"/>
-              <a:buChar char="-"/>
-            </a:pPr>
-            <a:r>
-              <a:rPr lang="en-US" sz="1800" dirty="0" err="1">
-                <a:solidFill>
-                  <a:schemeClr val="lt1"/>
-                </a:solidFill>
-              </a:rPr>
-              <a:t>CredentialId</a:t>
-            </a:r>
-            <a:endParaRPr sz="1800" dirty="0">
-              <a:solidFill>
-                <a:schemeClr val="lt1"/>
-              </a:solidFill>
-            </a:endParaRPr>
-          </a:p>
-          <a:p>
-            <a:pPr marL="457200" lvl="0" indent="-317500" algn="l" rtl="0">
-              <a:spcBef>
-                <a:spcPts val="0"/>
-              </a:spcBef>
-              <a:spcAft>
-                <a:spcPts val="0"/>
-              </a:spcAft>
-              <a:buClr>
-                <a:schemeClr val="lt1"/>
-              </a:buClr>
-              <a:buSzPts val="1400"/>
-              <a:buChar char="-"/>
-            </a:pPr>
-            <a:r>
-              <a:rPr lang="en-US" sz="1800" dirty="0" err="1">
-                <a:solidFill>
-                  <a:schemeClr val="lt1"/>
-                </a:solidFill>
-              </a:rPr>
-              <a:t>UserId</a:t>
-            </a:r>
-            <a:endParaRPr sz="1800" dirty="0">
-              <a:solidFill>
-                <a:schemeClr val="lt1"/>
-              </a:solidFill>
-            </a:endParaRPr>
-          </a:p>
-          <a:p>
-            <a:pPr marL="457200" lvl="0" indent="-317500" algn="l" rtl="0">
-              <a:spcBef>
-                <a:spcPts val="0"/>
-              </a:spcBef>
-              <a:spcAft>
-                <a:spcPts val="0"/>
-              </a:spcAft>
-              <a:buClr>
-                <a:schemeClr val="lt1"/>
-              </a:buClr>
-              <a:buSzPts val="1400"/>
-              <a:buChar char="-"/>
-            </a:pPr>
-            <a:r>
-              <a:rPr lang="en-US" sz="1800" dirty="0">
-                <a:solidFill>
-                  <a:schemeClr val="lt1"/>
-                </a:solidFill>
-              </a:rPr>
-              <a:t>Data</a:t>
-            </a:r>
-            <a:endParaRPr sz="1800" dirty="0">
-              <a:solidFill>
-                <a:schemeClr val="lt1"/>
-              </a:solidFill>
-            </a:endParaRPr>
-          </a:p>
-          <a:p>
-            <a:pPr marL="0" lvl="0" indent="0" algn="l" rtl="0">
-              <a:spcBef>
-                <a:spcPts val="0"/>
-              </a:spcBef>
-              <a:spcAft>
-                <a:spcPts val="0"/>
-              </a:spcAft>
-              <a:buNone/>
-            </a:pPr>
-            <a:endParaRPr sz="1800" dirty="0">
+            <a:endParaRPr sz="3200" dirty="0">
               <a:solidFill>
                 <a:schemeClr val="lt1"/>
               </a:solidFill>
@@ -5927,14 +5281,51 @@
               <a:buNone/>
             </a:pPr>
             <a:r>
-              <a:rPr lang="en-US" sz="1800" dirty="0">
+              <a:rPr lang="en-US" sz="3200" dirty="0">
                 <a:solidFill>
                   <a:schemeClr val="lt1"/>
                 </a:solidFill>
               </a:rPr>
               <a:t>{</a:t>
             </a:r>
-            <a:endParaRPr sz="1800" dirty="0">
+            <a:endParaRPr sz="3200" dirty="0">
+              <a:solidFill>
+                <a:schemeClr val="lt1"/>
+              </a:solidFill>
+            </a:endParaRPr>
+          </a:p>
+          <a:p>
+            <a:pPr>
+              <a:buClr>
+                <a:schemeClr val="dk1"/>
+              </a:buClr>
+              <a:buSzPts val="1100"/>
+            </a:pPr>
+            <a:r>
+              <a:rPr lang="en-US" sz="3200" b="1" dirty="0">
+                <a:solidFill>
+                  <a:schemeClr val="lt1"/>
+                </a:solidFill>
+              </a:rPr>
+              <a:t>  "</a:t>
+            </a:r>
+            <a:r>
+              <a:rPr lang="en-US" sz="3200" b="1" dirty="0" err="1">
+                <a:solidFill>
+                  <a:schemeClr val="lt1"/>
+                </a:solidFill>
+              </a:rPr>
+              <a:t>AttestationObject</a:t>
+            </a:r>
+            <a:r>
+              <a:rPr lang="en-US" sz="3200" dirty="0">
+                <a:solidFill>
+                  <a:schemeClr val="lt1"/>
+                </a:solidFill>
+              </a:rPr>
+              <a:t>": “XXX”</a:t>
+            </a:r>
+            <a:endParaRPr sz="3200" dirty="0">
               <a:solidFill>
                 <a:schemeClr val="lt1"/>
               </a:solidFill>
@@ -5956,7 +5347,7 @@
               <a:buNone/>
             </a:pPr>
             <a:r>
-              <a:rPr lang="en-US" sz="1800" dirty="0">
+              <a:rPr lang="en-US" sz="3200" dirty="0">
                 <a:solidFill>
                   <a:schemeClr val="lt1"/>
                 </a:solidFill>
@@ -5964,58 +5355,21 @@
               <a:t>  "</a:t>
             </a:r>
             <a:r>
-              <a:rPr lang="en-US" sz="1800" dirty="0" err="1">
+              <a:rPr lang="en-US" sz="3200" b="1" dirty="0" err="1">
                 <a:solidFill>
                   <a:schemeClr val="lt1"/>
                 </a:solidFill>
               </a:rPr>
-              <a:t>AttestationObject</a:t>
-            </a:r>
-            <a:r>
-              <a:rPr lang="en-US" sz="1800" dirty="0">
+              <a:t>ClientDataJson</a:t>
+            </a:r>
+            <a:r>
+              <a:rPr lang="en-US" sz="3200" dirty="0">
                 <a:solidFill>
                   <a:schemeClr val="lt1"/>
                 </a:solidFill>
               </a:rPr>
-              <a:t>": "o2NmbXRkbm9uZWdhdHRTdG10oGhhdXRoRGF0YViYSZYN5YgOjGh0NBcPZHZgW4/krrmihjLHmVzzuoMdl2NdAAAAAAAAAAAAAAAAAAAAAAAAAAAAFDDGfuDt7j\u002BLqm3M7n/zASSL18dOpQECAyYgASFYIPCYlBfpybOKUPhGUT\u002BwyDyRkiLB9FGPyl\u002BBTvqJxgi/</a:t>
-            </a:r>
-            <a:r>
-              <a:rPr lang="en-US" sz="1800" dirty="0" err="1">
-                <a:solidFill>
-                  <a:schemeClr val="lt1"/>
-                </a:solidFill>
-              </a:rPr>
-              <a:t>Ilggm</a:t>
-            </a:r>
-            <a:r>
-              <a:rPr lang="en-US" sz="1800" dirty="0">
-                <a:solidFill>
-                  <a:schemeClr val="lt1"/>
-                </a:solidFill>
-              </a:rPr>
-              <a:t>\u002BR8to0Y6JwMDR3jNNkInHCH8XoE/</a:t>
-            </a:r>
-            <a:r>
-              <a:rPr lang="en-US" sz="1800" dirty="0" err="1">
-                <a:solidFill>
-                  <a:schemeClr val="lt1"/>
-                </a:solidFill>
-              </a:rPr>
-              <a:t>wKX</a:t>
-            </a:r>
-            <a:r>
-              <a:rPr lang="en-US" sz="1800" dirty="0">
-                <a:solidFill>
-                  <a:schemeClr val="lt1"/>
-                </a:solidFill>
-              </a:rPr>
-              <a:t>/V8oz587rv0=",</a:t>
-            </a:r>
-            <a:endParaRPr sz="1800" dirty="0">
-              <a:solidFill>
-                <a:schemeClr val="lt1"/>
-              </a:solidFill>
-            </a:endParaRPr>
+              <a:t>": “XXX“</a:t>
+            </a:r>
           </a:p>
           <a:p>
             <a:pPr marL="0" lvl="0" indent="0" algn="l" rtl="0">
@@ -6033,30 +5387,46 @@
               <a:buNone/>
             </a:pPr>
             <a:r>
-              <a:rPr lang="en-US" sz="1800" dirty="0">
+              <a:rPr lang="en-US" sz="3200" dirty="0">
                 <a:solidFill>
                   <a:schemeClr val="lt1"/>
                 </a:solidFill>
               </a:rPr>
-              <a:t>  "</a:t>
-            </a:r>
-            <a:r>
-              <a:rPr lang="en-US" sz="1800" dirty="0" err="1">
+              <a:t>  </a:t>
+            </a:r>
+            <a:r>
+              <a:rPr lang="en-US" sz="3200" b="1" dirty="0">
                 <a:solidFill>
                   <a:schemeClr val="lt1"/>
                 </a:solidFill>
               </a:rPr>
-              <a:t>ClientDataJson</a:t>
-            </a:r>
-            <a:r>
-              <a:rPr lang="en-US" sz="1800" dirty="0">
+              <a:t>“</a:t>
+            </a:r>
+            <a:r>
+              <a:rPr lang="en-US" sz="3200" b="1" dirty="0" err="1">
                 <a:solidFill>
                   <a:schemeClr val="lt1"/>
                 </a:solidFill>
               </a:rPr>
-              <a:t>": "eyJ0eXBlIjoid2ViYXV0aG4uY3JlYXRlIiwiY2hhbGxlbmdlIjoiV2RndEQtbEVSV2FrdUwxUmVrMkhsSzItYXJfVmJsUDJsU2FZWGlGeUtNYyIsIm9yaWdpbiI6Imh0dHA6Ly9sb2NhbGhvc3Q6NTAyOSIsImNyb3NzT3JpZ2luIjpmYWxzZX0=",</a:t>
-            </a:r>
-            <a:endParaRPr sz="1800" dirty="0">
+              <a:t>IsBackedUp</a:t>
+            </a:r>
+            <a:r>
+              <a:rPr lang="en-US" sz="3200" b="1" dirty="0">
+                <a:solidFill>
+                  <a:schemeClr val="lt1"/>
+                </a:solidFill>
+              </a:rPr>
+              <a:t>": </a:t>
+            </a:r>
+            <a:r>
+              <a:rPr lang="en-US" sz="3200" dirty="0">
+                <a:solidFill>
+                  <a:schemeClr val="lt1"/>
+                </a:solidFill>
+              </a:rPr>
+              <a:t>true,</a:t>
+            </a:r>
+            <a:endParaRPr sz="3200" dirty="0">
               <a:solidFill>
                 <a:schemeClr val="lt1"/>
               </a:solidFill>
@@ -6078,30 +5448,38 @@
               <a:buNone/>
             </a:pPr>
             <a:r>
-              <a:rPr lang="en-US" sz="1800" dirty="0">
+              <a:rPr lang="en-US" sz="3200" dirty="0">
                 <a:solidFill>
                   <a:schemeClr val="lt1"/>
                 </a:solidFill>
               </a:rPr>
-              <a:t>  "</a:t>
-            </a:r>
-            <a:r>
-              <a:rPr lang="en-US" sz="1800" dirty="0" err="1">
+              <a:t>  </a:t>
+            </a:r>
+            <a:r>
+              <a:rPr lang="en-US" sz="3200" b="1" dirty="0">
                 <a:solidFill>
                   <a:schemeClr val="lt1"/>
                 </a:solidFill>
               </a:rPr>
-              <a:t>CreatedAt</a:t>
-            </a:r>
-            <a:r>
-              <a:rPr lang="en-US" sz="1800" dirty="0">
+              <a:t>"</a:t>
+            </a:r>
+            <a:r>
+              <a:rPr lang="en-US" sz="3200" b="1" dirty="0" err="1">
                 <a:solidFill>
                   <a:schemeClr val="lt1"/>
                 </a:solidFill>
               </a:rPr>
-              <a:t>": "2026-01-13T18:40:06.6917358\u002B00:00",</a:t>
-            </a:r>
-            <a:endParaRPr sz="1800" dirty="0">
+              <a:t>IsBackupEligible</a:t>
+            </a:r>
+            <a:r>
+              <a:rPr lang="en-US" sz="3200" dirty="0">
+                <a:solidFill>
+                  <a:schemeClr val="lt1"/>
+                </a:solidFill>
+              </a:rPr>
+              <a:t>": true,</a:t>
+            </a:r>
+            <a:endParaRPr sz="3200" dirty="0">
               <a:solidFill>
                 <a:schemeClr val="lt1"/>
               </a:solidFill>
@@ -6123,30 +5501,38 @@
               <a:buNone/>
             </a:pPr>
             <a:r>
-              <a:rPr lang="en-US" sz="1800" dirty="0">
+              <a:rPr lang="en-US" sz="3200" dirty="0">
                 <a:solidFill>
                   <a:schemeClr val="lt1"/>
                 </a:solidFill>
               </a:rPr>
-              <a:t>  "</a:t>
-            </a:r>
-            <a:r>
-              <a:rPr lang="en-US" sz="1800" dirty="0" err="1">
+              <a:t>  </a:t>
+            </a:r>
+            <a:r>
+              <a:rPr lang="en-US" sz="3200" b="1" dirty="0">
                 <a:solidFill>
                   <a:schemeClr val="lt1"/>
                 </a:solidFill>
               </a:rPr>
-              <a:t>IsBackedUp</a:t>
-            </a:r>
-            <a:r>
-              <a:rPr lang="en-US" sz="1800" dirty="0">
+              <a:t>"</a:t>
+            </a:r>
+            <a:r>
+              <a:rPr lang="en-US" sz="3200" b="1" dirty="0" err="1">
                 <a:solidFill>
                   <a:schemeClr val="lt1"/>
                 </a:solidFill>
               </a:rPr>
+              <a:t>IsUserVerified</a:t>
+            </a:r>
+            <a:r>
+              <a:rPr lang="en-US" sz="3200" dirty="0">
+                <a:solidFill>
+                  <a:schemeClr val="lt1"/>
+                </a:solidFill>
+              </a:rPr>
               <a:t>": true,</a:t>
             </a:r>
-            <a:endParaRPr sz="1800" dirty="0">
+            <a:endParaRPr sz="3200" dirty="0">
               <a:solidFill>
                 <a:schemeClr val="lt1"/>
               </a:solidFill>
@@ -6168,7 +5554,7 @@
               <a:buNone/>
             </a:pPr>
             <a:r>
-              <a:rPr lang="en-US" sz="1800" dirty="0">
+              <a:rPr lang="en-US" sz="3200" dirty="0">
                 <a:solidFill>
                   <a:schemeClr val="lt1"/>
                 </a:solidFill>
@@ -6176,22 +5562,38 @@
               <a:t>  "</a:t>
             </a:r>
             <a:r>
-              <a:rPr lang="en-US" sz="1800" dirty="0" err="1">
+              <a:rPr lang="en-US" sz="3200" b="1" dirty="0">
                 <a:solidFill>
                   <a:schemeClr val="lt1"/>
                 </a:solidFill>
               </a:rPr>
-              <a:t>IsBackupEligible</a:t>
-            </a:r>
-            <a:r>
-              <a:rPr lang="en-US" sz="1800" dirty="0">
+              <a:t>Name</a:t>
+            </a:r>
+            <a:r>
+              <a:rPr lang="en-US" sz="3200" dirty="0">
                 <a:solidFill>
                   <a:schemeClr val="lt1"/>
                 </a:solidFill>
               </a:rPr>
-              <a:t>": true,</a:t>
-            </a:r>
-            <a:endParaRPr sz="1800" dirty="0">
+              <a:t>": "</a:t>
+            </a:r>
+            <a:r>
+              <a:rPr lang="en-US" sz="3200" dirty="0" err="1">
+                <a:solidFill>
+                  <a:schemeClr val="lt1"/>
+                </a:solidFill>
+              </a:rPr>
+              <a:t>Ejemplo</a:t>
+            </a:r>
+            <a:r>
+              <a:rPr lang="en-US" sz="3200" dirty="0">
+                <a:solidFill>
+                  <a:schemeClr val="lt1"/>
+                </a:solidFill>
+              </a:rPr>
+              <a:t>",</a:t>
+            </a:r>
+            <a:endParaRPr sz="3200" dirty="0">
               <a:solidFill>
                 <a:schemeClr val="lt1"/>
               </a:solidFill>
@@ -6213,7 +5615,7 @@
               <a:buNone/>
             </a:pPr>
             <a:r>
-              <a:rPr lang="en-US" sz="1800" dirty="0">
+              <a:rPr lang="en-US" sz="3200" dirty="0">
                 <a:solidFill>
                   <a:schemeClr val="lt1"/>
                 </a:solidFill>
@@ -6221,22 +5623,22 @@
               <a:t>  "</a:t>
             </a:r>
             <a:r>
-              <a:rPr lang="en-US" sz="1800" dirty="0" err="1">
+              <a:rPr lang="en-US" sz="3200" b="1" dirty="0" err="1">
                 <a:solidFill>
                   <a:schemeClr val="lt1"/>
                 </a:solidFill>
               </a:rPr>
-              <a:t>IsUserVerified</a:t>
-            </a:r>
-            <a:r>
-              <a:rPr lang="en-US" sz="1800" dirty="0">
+              <a:t>PublicKey</a:t>
+            </a:r>
+            <a:r>
+              <a:rPr lang="en-US" sz="3200" dirty="0">
                 <a:solidFill>
                   <a:schemeClr val="lt1"/>
                 </a:solidFill>
               </a:rPr>
-              <a:t>": true,</a:t>
-            </a:r>
-            <a:endParaRPr sz="1800" dirty="0">
+              <a:t>": XXX</a:t>
+            </a:r>
+            <a:endParaRPr sz="3200" dirty="0">
               <a:solidFill>
                 <a:schemeClr val="lt1"/>
               </a:solidFill>
@@ -6258,30 +5660,30 @@
               <a:buNone/>
             </a:pPr>
             <a:r>
-              <a:rPr lang="en-US" sz="1800" dirty="0">
+              <a:rPr lang="en-US" sz="3200" dirty="0">
                 <a:solidFill>
                   <a:schemeClr val="lt1"/>
                 </a:solidFill>
               </a:rPr>
-              <a:t>  "Name": "</a:t>
-            </a:r>
-            <a:r>
-              <a:rPr lang="en-US" sz="1800" dirty="0" err="1">
+              <a:t>  "</a:t>
+            </a:r>
+            <a:r>
+              <a:rPr lang="en-US" sz="3200" b="1" dirty="0" err="1">
                 <a:solidFill>
                   <a:schemeClr val="lt1"/>
                 </a:solidFill>
               </a:rPr>
-              <a:t>Ejemplo</a:t>
-            </a:r>
-            <a:r>
-              <a:rPr lang="en-US" sz="1800" dirty="0">
+              <a:t>SignCount</a:t>
+            </a:r>
+            <a:r>
+              <a:rPr lang="en-US" sz="3200" dirty="0">
                 <a:solidFill>
                   <a:schemeClr val="lt1"/>
                 </a:solidFill>
               </a:rPr>
-              <a:t>",</a:t>
-            </a:r>
-            <a:endParaRPr sz="1800" dirty="0">
+              <a:t>": 0,</a:t>
+            </a:r>
+            <a:endParaRPr sz="3200" dirty="0">
               <a:solidFill>
                 <a:schemeClr val="lt1"/>
               </a:solidFill>
@@ -6303,7 +5705,7 @@
               <a:buNone/>
             </a:pPr>
             <a:r>
-              <a:rPr lang="en-US" sz="1800" dirty="0">
+              <a:rPr lang="en-US" sz="3200" dirty="0">
                 <a:solidFill>
                   <a:schemeClr val="lt1"/>
                 </a:solidFill>
@@ -6311,70 +5713,22 @@
               <a:t>  "</a:t>
             </a:r>
             <a:r>
-              <a:rPr lang="en-US" sz="1800" dirty="0" err="1">
+              <a:rPr lang="en-US" sz="3200" b="1" dirty="0">
                 <a:solidFill>
                   <a:schemeClr val="lt1"/>
                 </a:solidFill>
               </a:rPr>
-              <a:t>PublicKey</a:t>
-            </a:r>
-            <a:r>
-              <a:rPr lang="en-US" sz="1800" dirty="0">
+              <a:t>Transports</a:t>
+            </a:r>
+            <a:r>
+              <a:rPr lang="en-US" sz="3200" dirty="0">
                 <a:solidFill>
                   <a:schemeClr val="lt1"/>
                 </a:solidFill>
               </a:rPr>
-              <a:t>": "</a:t>
-            </a:r>
-            <a:r>
-              <a:rPr lang="en-US" sz="1800" dirty="0" err="1">
-                <a:solidFill>
-                  <a:schemeClr val="lt1"/>
-                </a:solidFill>
-              </a:rPr>
-              <a:t>pQECAyYgASFYIPCYlBfpybOKUPhGUT</a:t>
-            </a:r>
-            <a:r>
-              <a:rPr lang="en-US" sz="1800" dirty="0">
-                <a:solidFill>
-                  <a:schemeClr val="lt1"/>
-                </a:solidFill>
-              </a:rPr>
-              <a:t>\u002BwyDyRkiLB9FGPyl\u002BBTvqJxgi/</a:t>
-            </a:r>
-            <a:r>
-              <a:rPr lang="en-US" sz="1800" dirty="0" err="1">
-                <a:solidFill>
-                  <a:schemeClr val="lt1"/>
-                </a:solidFill>
-              </a:rPr>
-              <a:t>Ilggm</a:t>
-            </a:r>
-            <a:r>
-              <a:rPr lang="en-US" sz="1800" dirty="0">
-                <a:solidFill>
-                  <a:schemeClr val="lt1"/>
-                </a:solidFill>
-              </a:rPr>
-              <a:t>\u002BR8to0Y6JwMDR3jNNkInHCH8XoE/</a:t>
-            </a:r>
-            <a:r>
-              <a:rPr lang="en-US" sz="1800" dirty="0" err="1">
-                <a:solidFill>
-                  <a:schemeClr val="lt1"/>
-                </a:solidFill>
-              </a:rPr>
-              <a:t>wKX</a:t>
-            </a:r>
-            <a:r>
-              <a:rPr lang="en-US" sz="1800" dirty="0">
-                <a:solidFill>
-                  <a:schemeClr val="lt1"/>
-                </a:solidFill>
-              </a:rPr>
-              <a:t>/V8oz587rv0=",</a:t>
-            </a:r>
-            <a:endParaRPr sz="1800" dirty="0">
+              <a:t>": [</a:t>
+            </a:r>
+            <a:endParaRPr sz="3200" dirty="0">
               <a:solidFill>
                 <a:schemeClr val="lt1"/>
               </a:solidFill>
@@ -6396,30 +5750,14 @@
               <a:buNone/>
             </a:pPr>
             <a:r>
-              <a:rPr lang="en-US" sz="1800" dirty="0">
+              <a:rPr lang="en-US" sz="3200" dirty="0">
                 <a:solidFill>
                   <a:schemeClr val="lt1"/>
                 </a:solidFill>
               </a:rPr>
-              <a:t>  "</a:t>
-            </a:r>
-            <a:r>
-              <a:rPr lang="en-US" sz="1800" dirty="0" err="1">
-                <a:solidFill>
-                  <a:schemeClr val="lt1"/>
-                </a:solidFill>
-              </a:rPr>
-              <a:t>SignCount</a:t>
-            </a:r>
-            <a:r>
-              <a:rPr lang="en-US" sz="1800" dirty="0">
-                <a:solidFill>
-                  <a:schemeClr val="lt1"/>
-                </a:solidFill>
-              </a:rPr>
-              <a:t>": 0,</a:t>
-            </a:r>
-            <a:endParaRPr sz="1800" dirty="0">
+              <a:t>    "hybrid",</a:t>
+            </a:r>
+            <a:endParaRPr sz="3200" dirty="0">
               <a:solidFill>
                 <a:schemeClr val="lt1"/>
               </a:solidFill>
@@ -6441,14 +5779,14 @@
               <a:buNone/>
             </a:pPr>
             <a:r>
-              <a:rPr lang="en-US" sz="1800" dirty="0">
+              <a:rPr lang="en-US" sz="3200" dirty="0">
                 <a:solidFill>
                   <a:schemeClr val="lt1"/>
                 </a:solidFill>
               </a:rPr>
-              <a:t>  "Transports": [</a:t>
-            </a:r>
-            <a:endParaRPr sz="1800" dirty="0">
+              <a:t>    "internal"</a:t>
+            </a:r>
+            <a:endParaRPr sz="3200" dirty="0">
               <a:solidFill>
                 <a:schemeClr val="lt1"/>
               </a:solidFill>
@@ -6470,14 +5808,14 @@
               <a:buNone/>
             </a:pPr>
             <a:r>
-              <a:rPr lang="en-US" sz="1800" dirty="0">
+              <a:rPr lang="en-US" sz="3200" dirty="0">
                 <a:solidFill>
                   <a:schemeClr val="lt1"/>
                 </a:solidFill>
               </a:rPr>
-              <a:t>    "hybrid",</a:t>
-            </a:r>
-            <a:endParaRPr sz="1800" dirty="0">
+              <a:t>  ]</a:t>
+            </a:r>
+            <a:endParaRPr sz="3200" dirty="0">
               <a:solidFill>
                 <a:schemeClr val="lt1"/>
               </a:solidFill>
@@ -6499,14 +5837,14 @@
               <a:buNone/>
             </a:pPr>
             <a:r>
-              <a:rPr lang="en-US" sz="1800" dirty="0">
+              <a:rPr lang="en-US" sz="3200" dirty="0">
                 <a:solidFill>
                   <a:schemeClr val="lt1"/>
                 </a:solidFill>
               </a:rPr>
-              <a:t>    "internal"</a:t>
-            </a:r>
-            <a:endParaRPr sz="1800" dirty="0">
+              <a:t>}</a:t>
+            </a:r>
+            <a:endParaRPr sz="3200" dirty="0">
               <a:solidFill>
                 <a:schemeClr val="lt1"/>
               </a:solidFill>
@@ -6520,67 +5858,9 @@
               <a:spcAft>
                 <a:spcPts val="0"/>
               </a:spcAft>
-              <a:buClr>
-                <a:schemeClr val="dk1"/>
-              </a:buClr>
-              <a:buSzPts val="1100"/>
-              <a:buFont typeface="Arial"/>
               <a:buNone/>
             </a:pPr>
-            <a:r>
-              <a:rPr lang="en-US" sz="1800" dirty="0">
-                <a:solidFill>
-                  <a:schemeClr val="lt1"/>
-                </a:solidFill>
-              </a:rPr>
-              <a:t>  ]</a:t>
-            </a:r>
-            <a:endParaRPr sz="1800" dirty="0">
-              <a:solidFill>
-                <a:schemeClr val="lt1"/>
-              </a:solidFill>
-            </a:endParaRPr>
-          </a:p>
-          <a:p>
-            <a:pPr marL="0" lvl="0" indent="0" algn="l" rtl="0">
-              <a:spcBef>
-                <a:spcPts val="0"/>
-              </a:spcBef>
-              <a:spcAft>
-                <a:spcPts val="0"/>
-              </a:spcAft>
-              <a:buClr>
-                <a:schemeClr val="dk1"/>
-              </a:buClr>
-              <a:buSzPts val="1100"/>
-              <a:buFont typeface="Arial"/>
-              <a:buNone/>
-            </a:pPr>
-            <a:r>
-              <a:rPr lang="en-US" sz="1800" dirty="0">
-                <a:solidFill>
-                  <a:schemeClr val="lt1"/>
-                </a:solidFill>
-              </a:rPr>
-              <a:t>}</a:t>
-            </a:r>
-            <a:endParaRPr sz="1800" dirty="0">
-              <a:solidFill>
-                <a:schemeClr val="lt1"/>
-              </a:solidFill>
-            </a:endParaRPr>
-          </a:p>
-          <a:p>
-            <a:pPr marL="0" lvl="0" indent="0" algn="l" rtl="0">
-              <a:spcBef>
-                <a:spcPts val="0"/>
-              </a:spcBef>
-              <a:spcAft>
-                <a:spcPts val="0"/>
-              </a:spcAft>
-              <a:buNone/>
-            </a:pPr>
-            <a:endParaRPr sz="1800" dirty="0">
+            <a:endParaRPr sz="3200" dirty="0">
               <a:solidFill>
                 <a:schemeClr val="lt1"/>
               </a:solidFill>
@@ -6602,8 +5882,8 @@
         </p:nvSpPr>
         <p:spPr>
           <a:xfrm>
-            <a:off x="15584556" y="3364736"/>
-            <a:ext cx="7295322" cy="9510296"/>
+            <a:off x="1758828" y="2925544"/>
+            <a:ext cx="7295322" cy="10187404"/>
           </a:xfrm>
           <a:prstGeom prst="rect">
             <a:avLst/>
@@ -6617,9 +5897,12 @@
           <a:lstStyle/>
           <a:p>
             <a:r>
-              <a:rPr lang="es-ES" sz="3600" b="1" dirty="0">
-                <a:solidFill>
-                  <a:schemeClr val="bg1"/>
+              <a:rPr lang="es-ES" sz="3200" b="1" dirty="0">
+                <a:solidFill>
+                  <a:schemeClr val="bg2">
+                    <a:lumMod val="25000"/>
+                    <a:lumOff val="75000"/>
+                  </a:schemeClr>
                 </a:solidFill>
                 <a:latin typeface="Poppins" panose="00000500000000000000" pitchFamily="2" charset="0"/>
                 <a:cs typeface="Poppins" panose="00000500000000000000" pitchFamily="2" charset="0"/>
@@ -6628,7 +5911,7 @@
             </a:r>
           </a:p>
           <a:p>
-            <a:endParaRPr lang="es-ES" sz="3600" b="1" dirty="0">
+            <a:endParaRPr lang="es-ES" sz="3200" b="1" dirty="0">
               <a:solidFill>
                 <a:schemeClr val="bg1"/>
               </a:solidFill>
@@ -6638,7 +5921,7 @@
           </a:p>
           <a:p>
             <a:r>
-              <a:rPr lang="es-ES" sz="3600" b="1" dirty="0">
+              <a:rPr lang="es-ES" sz="3200" b="1" dirty="0">
                 <a:solidFill>
                   <a:schemeClr val="bg1"/>
                 </a:solidFill>
@@ -6648,7 +5931,7 @@
               <a:t>- </a:t>
             </a:r>
             <a:r>
-              <a:rPr lang="es-ES" sz="3600" b="1" dirty="0" err="1">
+              <a:rPr lang="es-ES" sz="3200" b="1" dirty="0" err="1">
                 <a:solidFill>
                   <a:schemeClr val="bg1"/>
                 </a:solidFill>
@@ -6657,7 +5940,7 @@
               </a:rPr>
               <a:t>SignManager</a:t>
             </a:r>
-            <a:endParaRPr lang="es-ES" sz="3600" b="1" dirty="0">
+            <a:endParaRPr lang="es-ES" sz="3200" b="1" dirty="0">
               <a:solidFill>
                 <a:schemeClr val="bg1"/>
               </a:solidFill>
@@ -6670,7 +5953,7 @@
               <a:buFontTx/>
               <a:buChar char="-"/>
             </a:pPr>
-            <a:endParaRPr lang="es-ES" sz="3600" dirty="0">
+            <a:endParaRPr lang="es-ES" sz="3200" b="1" dirty="0">
               <a:solidFill>
                 <a:schemeClr val="bg1"/>
               </a:solidFill>
@@ -6679,18 +5962,27 @@
             </a:endParaRPr>
           </a:p>
           <a:p>
-            <a:pPr lvl="1"/>
-            <a:r>
-              <a:rPr lang="es-ES" sz="3600" dirty="0" err="1">
+            <a:r>
+              <a:rPr lang="es-ES" sz="2400" dirty="0">
                 <a:solidFill>
                   <a:schemeClr val="bg1"/>
                 </a:solidFill>
                 <a:latin typeface="Poppins" panose="00000500000000000000" pitchFamily="2" charset="0"/>
                 <a:cs typeface="Poppins" panose="00000500000000000000" pitchFamily="2" charset="0"/>
               </a:rPr>
+              <a:t>     </a:t>
+            </a:r>
+            <a:r>
+              <a:rPr lang="es-ES" sz="2400" dirty="0" err="1">
+                <a:solidFill>
+                  <a:schemeClr val="bg1"/>
+                </a:solidFill>
+                <a:latin typeface="Poppins" panose="00000500000000000000" pitchFamily="2" charset="0"/>
+                <a:cs typeface="Poppins" panose="00000500000000000000" pitchFamily="2" charset="0"/>
+              </a:rPr>
               <a:t>PerformPasskeyAttestationAsync</a:t>
             </a:r>
-            <a:endParaRPr lang="es-ES" sz="3600" dirty="0">
+            <a:endParaRPr lang="es-ES" sz="2400" dirty="0">
               <a:solidFill>
                 <a:schemeClr val="bg1"/>
               </a:solidFill>
@@ -6701,16 +5993,26 @@
           <a:p>
             <a:pPr lvl="1"/>
             <a:r>
-              <a:rPr lang="es-ES" sz="3600" dirty="0" err="1">
+              <a:rPr lang="es-ES" sz="2400" dirty="0">
                 <a:solidFill>
                   <a:schemeClr val="bg1"/>
                 </a:solidFill>
                 <a:latin typeface="Poppins" panose="00000500000000000000" pitchFamily="2" charset="0"/>
                 <a:cs typeface="Poppins" panose="00000500000000000000" pitchFamily="2" charset="0"/>
               </a:rPr>
+              <a:t>     </a:t>
+            </a:r>
+            <a:r>
+              <a:rPr lang="es-ES" sz="2400" dirty="0" err="1">
+                <a:solidFill>
+                  <a:schemeClr val="bg1"/>
+                </a:solidFill>
+                <a:latin typeface="Poppins" panose="00000500000000000000" pitchFamily="2" charset="0"/>
+                <a:cs typeface="Poppins" panose="00000500000000000000" pitchFamily="2" charset="0"/>
+              </a:rPr>
               <a:t>PasskeySignInAsync</a:t>
             </a:r>
-            <a:endParaRPr lang="es-ES" sz="3600" dirty="0">
+            <a:endParaRPr lang="es-ES" sz="2400" dirty="0">
               <a:solidFill>
                 <a:schemeClr val="bg1"/>
               </a:solidFill>
@@ -6719,7 +6021,7 @@
             </a:endParaRPr>
           </a:p>
           <a:p>
-            <a:endParaRPr lang="es-ES" sz="3600" dirty="0">
+            <a:endParaRPr lang="es-ES" sz="3200" dirty="0">
               <a:solidFill>
                 <a:schemeClr val="bg1"/>
               </a:solidFill>
@@ -6729,7 +6031,7 @@
           </a:p>
           <a:p>
             <a:r>
-              <a:rPr lang="es-ES" sz="3600" b="1" dirty="0">
+              <a:rPr lang="es-ES" sz="3200" b="1" dirty="0">
                 <a:solidFill>
                   <a:schemeClr val="bg1"/>
                 </a:solidFill>
@@ -6739,7 +6041,7 @@
               <a:t>- </a:t>
             </a:r>
             <a:r>
-              <a:rPr lang="es-ES" sz="3600" b="1" dirty="0" err="1">
+              <a:rPr lang="es-ES" sz="3200" b="1" dirty="0" err="1">
                 <a:solidFill>
                   <a:schemeClr val="bg1"/>
                 </a:solidFill>
@@ -6748,7 +6050,7 @@
               </a:rPr>
               <a:t>UserManager</a:t>
             </a:r>
-            <a:endParaRPr lang="es-ES" sz="3600" b="1" dirty="0">
+            <a:endParaRPr lang="es-ES" sz="3200" b="1" dirty="0">
               <a:solidFill>
                 <a:schemeClr val="bg1"/>
               </a:solidFill>
@@ -6761,7 +6063,7 @@
               <a:buFontTx/>
               <a:buChar char="-"/>
             </a:pPr>
-            <a:endParaRPr lang="es-ES" sz="3600" dirty="0">
+            <a:endParaRPr lang="es-ES" sz="3200" dirty="0">
               <a:solidFill>
                 <a:schemeClr val="bg1"/>
               </a:solidFill>
@@ -6772,16 +6074,26 @@
           <a:p>
             <a:pPr lvl="1"/>
             <a:r>
-              <a:rPr lang="es-ES" sz="3600" dirty="0" err="1">
+              <a:rPr lang="es-ES" sz="2400" dirty="0">
                 <a:solidFill>
                   <a:schemeClr val="bg1"/>
                 </a:solidFill>
                 <a:latin typeface="Poppins" panose="00000500000000000000" pitchFamily="2" charset="0"/>
                 <a:cs typeface="Poppins" panose="00000500000000000000" pitchFamily="2" charset="0"/>
               </a:rPr>
+              <a:t>    </a:t>
+            </a:r>
+            <a:r>
+              <a:rPr lang="es-ES" sz="2400" dirty="0" err="1">
+                <a:solidFill>
+                  <a:schemeClr val="bg1"/>
+                </a:solidFill>
+                <a:latin typeface="Poppins" panose="00000500000000000000" pitchFamily="2" charset="0"/>
+                <a:cs typeface="Poppins" panose="00000500000000000000" pitchFamily="2" charset="0"/>
+              </a:rPr>
               <a:t>AddOrUpdatePasskeyAsync</a:t>
             </a:r>
-            <a:endParaRPr lang="es-ES" sz="3600" dirty="0">
+            <a:endParaRPr lang="es-ES" sz="2400" dirty="0">
               <a:solidFill>
                 <a:schemeClr val="bg1"/>
               </a:solidFill>
@@ -6792,16 +6104,26 @@
           <a:p>
             <a:pPr lvl="1"/>
             <a:r>
-              <a:rPr lang="es-ES" sz="3600" dirty="0" err="1">
+              <a:rPr lang="es-ES" sz="2400" dirty="0">
                 <a:solidFill>
                   <a:schemeClr val="bg1"/>
                 </a:solidFill>
                 <a:latin typeface="Poppins" panose="00000500000000000000" pitchFamily="2" charset="0"/>
                 <a:cs typeface="Poppins" panose="00000500000000000000" pitchFamily="2" charset="0"/>
               </a:rPr>
+              <a:t>    </a:t>
+            </a:r>
+            <a:r>
+              <a:rPr lang="es-ES" sz="2400" dirty="0" err="1">
+                <a:solidFill>
+                  <a:schemeClr val="bg1"/>
+                </a:solidFill>
+                <a:latin typeface="Poppins" panose="00000500000000000000" pitchFamily="2" charset="0"/>
+                <a:cs typeface="Poppins" panose="00000500000000000000" pitchFamily="2" charset="0"/>
+              </a:rPr>
               <a:t>GetPasskeysAsync</a:t>
             </a:r>
-            <a:endParaRPr lang="es-ES" sz="3600" dirty="0">
+            <a:endParaRPr lang="es-ES" sz="2400" dirty="0">
               <a:solidFill>
                 <a:schemeClr val="bg1"/>
               </a:solidFill>
@@ -6812,16 +6134,26 @@
           <a:p>
             <a:pPr lvl="1"/>
             <a:r>
-              <a:rPr lang="es-ES" sz="3600" dirty="0" err="1">
+              <a:rPr lang="es-ES" sz="2400" dirty="0">
                 <a:solidFill>
                   <a:schemeClr val="bg1"/>
                 </a:solidFill>
                 <a:latin typeface="Poppins" panose="00000500000000000000" pitchFamily="2" charset="0"/>
                 <a:cs typeface="Poppins" panose="00000500000000000000" pitchFamily="2" charset="0"/>
               </a:rPr>
+              <a:t>    </a:t>
+            </a:r>
+            <a:r>
+              <a:rPr lang="es-ES" sz="2400" dirty="0" err="1">
+                <a:solidFill>
+                  <a:schemeClr val="bg1"/>
+                </a:solidFill>
+                <a:latin typeface="Poppins" panose="00000500000000000000" pitchFamily="2" charset="0"/>
+                <a:cs typeface="Poppins" panose="00000500000000000000" pitchFamily="2" charset="0"/>
+              </a:rPr>
               <a:t>RemovePasskeyAsync</a:t>
             </a:r>
-            <a:endParaRPr lang="es-ES" sz="3600" dirty="0">
+            <a:endParaRPr lang="es-ES" sz="2400" dirty="0">
               <a:solidFill>
                 <a:schemeClr val="bg1"/>
               </a:solidFill>
@@ -6831,7 +6163,7 @@
           </a:p>
           <a:p>
             <a:pPr lvl="1"/>
-            <a:endParaRPr lang="es-ES" sz="3600" dirty="0">
+            <a:endParaRPr lang="es-ES" sz="3200" dirty="0">
               <a:solidFill>
                 <a:schemeClr val="bg1"/>
               </a:solidFill>
@@ -6841,7 +6173,7 @@
           </a:p>
           <a:p>
             <a:r>
-              <a:rPr lang="es-ES" sz="3600" b="1" dirty="0">
+              <a:rPr lang="es-ES" sz="3200" b="1" dirty="0">
                 <a:solidFill>
                   <a:schemeClr val="bg1"/>
                 </a:solidFill>
@@ -6851,7 +6183,7 @@
               <a:t>- </a:t>
             </a:r>
             <a:r>
-              <a:rPr lang="es-ES" sz="3600" b="1" dirty="0" err="1">
+              <a:rPr lang="es-ES" sz="3200" b="1" dirty="0" err="1">
                 <a:solidFill>
                   <a:schemeClr val="bg1"/>
                 </a:solidFill>
@@ -6861,7 +6193,7 @@
               <a:t>Blazor</a:t>
             </a:r>
             <a:r>
-              <a:rPr lang="es-ES" sz="3600" b="1" dirty="0">
+              <a:rPr lang="es-ES" sz="3200" b="1" dirty="0">
                 <a:solidFill>
                   <a:schemeClr val="bg1"/>
                 </a:solidFill>
@@ -6871,7 +6203,7 @@
               <a:t> </a:t>
             </a:r>
             <a:r>
-              <a:rPr lang="es-ES" sz="3600" b="1" dirty="0" err="1">
+              <a:rPr lang="es-ES" sz="3200" b="1" dirty="0" err="1">
                 <a:solidFill>
                   <a:schemeClr val="bg1"/>
                 </a:solidFill>
@@ -6880,7 +6212,7 @@
               </a:rPr>
               <a:t>Component</a:t>
             </a:r>
-            <a:endParaRPr lang="es-ES" sz="3600" dirty="0">
+            <a:endParaRPr lang="es-ES" sz="3200" dirty="0">
               <a:solidFill>
                 <a:schemeClr val="bg1"/>
               </a:solidFill>
@@ -6891,17 +6223,17 @@
           <a:p>
             <a:pPr lvl="1"/>
             <a:r>
-              <a:rPr lang="es-ES" sz="3600" dirty="0">
+              <a:rPr lang="es-ES" sz="2400" dirty="0">
                 <a:solidFill>
                   <a:schemeClr val="bg1"/>
                 </a:solidFill>
                 <a:latin typeface="Poppins" panose="00000500000000000000" pitchFamily="2" charset="0"/>
                 <a:cs typeface="Poppins" panose="00000500000000000000" pitchFamily="2" charset="0"/>
               </a:rPr>
-              <a:t>&lt;</a:t>
-            </a:r>
-            <a:r>
-              <a:rPr lang="es-ES" sz="3600" dirty="0" err="1">
+              <a:t>   &lt;</a:t>
+            </a:r>
+            <a:r>
+              <a:rPr lang="es-ES" sz="2400" dirty="0" err="1">
                 <a:solidFill>
                   <a:schemeClr val="bg1"/>
                 </a:solidFill>
@@ -6911,7 +6243,7 @@
               <a:t>passkey-submit</a:t>
             </a:r>
             <a:r>
-              <a:rPr lang="es-ES" sz="3600" dirty="0">
+              <a:rPr lang="es-ES" sz="2400" dirty="0">
                 <a:solidFill>
                   <a:schemeClr val="bg1"/>
                 </a:solidFill>
@@ -6922,7 +6254,130 @@
             </a:r>
           </a:p>
           <a:p>
-            <a:endParaRPr lang="es-ES" sz="3600" dirty="0">
+            <a:pPr lvl="1"/>
+            <a:endParaRPr lang="es-ES" sz="3200" dirty="0">
+              <a:solidFill>
+                <a:schemeClr val="bg1"/>
+              </a:solidFill>
+              <a:latin typeface="Poppins" panose="00000500000000000000" pitchFamily="2" charset="0"/>
+              <a:cs typeface="Poppins" panose="00000500000000000000" pitchFamily="2" charset="0"/>
+            </a:endParaRPr>
+          </a:p>
+          <a:p>
+            <a:pPr lvl="1"/>
+            <a:r>
+              <a:rPr lang="es-ES" sz="3200" dirty="0">
+                <a:solidFill>
+                  <a:schemeClr val="bg1"/>
+                </a:solidFill>
+                <a:latin typeface="Poppins" panose="00000500000000000000" pitchFamily="2" charset="0"/>
+                <a:cs typeface="Poppins" panose="00000500000000000000" pitchFamily="2" charset="0"/>
+              </a:rPr>
+              <a:t>-</a:t>
+            </a:r>
+            <a:r>
+              <a:rPr lang="es-ES" sz="3200" b="1" dirty="0" err="1">
+                <a:solidFill>
+                  <a:schemeClr val="bg1"/>
+                </a:solidFill>
+                <a:latin typeface="Poppins" panose="00000500000000000000" pitchFamily="2" charset="0"/>
+                <a:cs typeface="Poppins" panose="00000500000000000000" pitchFamily="2" charset="0"/>
+              </a:rPr>
+              <a:t>Format</a:t>
+            </a:r>
+            <a:endParaRPr lang="es-ES" sz="3200" b="1" dirty="0">
+              <a:solidFill>
+                <a:schemeClr val="bg1"/>
+              </a:solidFill>
+              <a:latin typeface="Poppins" panose="00000500000000000000" pitchFamily="2" charset="0"/>
+              <a:cs typeface="Poppins" panose="00000500000000000000" pitchFamily="2" charset="0"/>
+            </a:endParaRPr>
+          </a:p>
+          <a:p>
+            <a:pPr lvl="1"/>
+            <a:r>
+              <a:rPr lang="es-ES" sz="2400" dirty="0">
+                <a:solidFill>
+                  <a:schemeClr val="bg1"/>
+                </a:solidFill>
+                <a:latin typeface="Poppins" panose="00000500000000000000" pitchFamily="2" charset="0"/>
+                <a:cs typeface="Poppins" panose="00000500000000000000" pitchFamily="2" charset="0"/>
+              </a:rPr>
+              <a:t>     </a:t>
+            </a:r>
+            <a:r>
+              <a:rPr lang="es-ES" sz="2400" dirty="0" err="1">
+                <a:solidFill>
+                  <a:schemeClr val="bg1"/>
+                </a:solidFill>
+                <a:latin typeface="Poppins" panose="00000500000000000000" pitchFamily="2" charset="0"/>
+                <a:cs typeface="Poppins" panose="00000500000000000000" pitchFamily="2" charset="0"/>
+              </a:rPr>
+              <a:t>Credentiald</a:t>
+            </a:r>
+            <a:endParaRPr lang="es-ES" sz="2400" dirty="0">
+              <a:solidFill>
+                <a:schemeClr val="bg1"/>
+              </a:solidFill>
+              <a:latin typeface="Poppins" panose="00000500000000000000" pitchFamily="2" charset="0"/>
+              <a:cs typeface="Poppins" panose="00000500000000000000" pitchFamily="2" charset="0"/>
+            </a:endParaRPr>
+          </a:p>
+          <a:p>
+            <a:pPr lvl="1"/>
+            <a:r>
+              <a:rPr lang="es-ES" sz="2400" dirty="0">
+                <a:solidFill>
+                  <a:schemeClr val="bg1"/>
+                </a:solidFill>
+                <a:latin typeface="Poppins" panose="00000500000000000000" pitchFamily="2" charset="0"/>
+                <a:cs typeface="Poppins" panose="00000500000000000000" pitchFamily="2" charset="0"/>
+              </a:rPr>
+              <a:t>     </a:t>
+            </a:r>
+            <a:r>
+              <a:rPr lang="es-ES" sz="2400" dirty="0" err="1">
+                <a:solidFill>
+                  <a:schemeClr val="bg1"/>
+                </a:solidFill>
+                <a:latin typeface="Poppins" panose="00000500000000000000" pitchFamily="2" charset="0"/>
+                <a:cs typeface="Poppins" panose="00000500000000000000" pitchFamily="2" charset="0"/>
+              </a:rPr>
+              <a:t>UserId</a:t>
+            </a:r>
+            <a:endParaRPr lang="es-ES" sz="2400" dirty="0">
+              <a:solidFill>
+                <a:schemeClr val="bg1"/>
+              </a:solidFill>
+              <a:latin typeface="Poppins" panose="00000500000000000000" pitchFamily="2" charset="0"/>
+              <a:cs typeface="Poppins" panose="00000500000000000000" pitchFamily="2" charset="0"/>
+            </a:endParaRPr>
+          </a:p>
+          <a:p>
+            <a:pPr lvl="1"/>
+            <a:r>
+              <a:rPr lang="es-ES" sz="2400" dirty="0">
+                <a:solidFill>
+                  <a:schemeClr val="bg1"/>
+                </a:solidFill>
+                <a:latin typeface="Poppins" panose="00000500000000000000" pitchFamily="2" charset="0"/>
+                <a:cs typeface="Poppins" panose="00000500000000000000" pitchFamily="2" charset="0"/>
+              </a:rPr>
+              <a:t>     Data</a:t>
+            </a:r>
+          </a:p>
+          <a:p>
+            <a:pPr lvl="1"/>
+            <a:endParaRPr lang="es-ES" sz="3200" dirty="0">
+              <a:solidFill>
+                <a:schemeClr val="bg1"/>
+              </a:solidFill>
+              <a:latin typeface="Poppins" panose="00000500000000000000" pitchFamily="2" charset="0"/>
+              <a:cs typeface="Poppins" panose="00000500000000000000" pitchFamily="2" charset="0"/>
+            </a:endParaRPr>
+          </a:p>
+          <a:p>
+            <a:endParaRPr lang="es-ES" sz="3200" dirty="0">
               <a:solidFill>
                 <a:schemeClr val="bg1"/>
               </a:solidFill>
@@ -6997,7 +6452,7 @@
               <a:buNone/>
             </a:pPr>
             <a:r>
-              <a:rPr lang="en-US" sz="10000">
+              <a:rPr lang="en-US" sz="10000" dirty="0">
                 <a:solidFill>
                   <a:schemeClr val="lt1"/>
                 </a:solidFill>
@@ -7006,18 +6461,18 @@
                 <a:cs typeface="Poppins"/>
                 <a:sym typeface="Poppins"/>
               </a:rPr>
-              <a:t>Código</a:t>
-            </a:r>
-            <a:endParaRPr/>
+              <a:t>Demo</a:t>
+            </a:r>
+            <a:endParaRPr dirty="0"/>
           </a:p>
         </p:txBody>
       </p:sp>
       <p:pic>
         <p:nvPicPr>
-          <p:cNvPr id="3" name="Imagen 2" descr="Texto&#10;&#10;El contenido generado por IA puede ser incorrecto.">
+          <p:cNvPr id="4" name="Imagen 3" descr="Interfaz de usuario gráfica, Aplicación&#10;&#10;El contenido generado por IA puede ser incorrecto.">
             <a:extLst>
               <a:ext uri="{FF2B5EF4-FFF2-40B4-BE49-F238E27FC236}">
-                <a16:creationId xmlns:a16="http://schemas.microsoft.com/office/drawing/2014/main" id="{17885603-2732-4736-6F77-A9D479B34F4E}"/>
+                <a16:creationId xmlns:a16="http://schemas.microsoft.com/office/drawing/2014/main" id="{C245EB70-2DC7-29ED-8984-FF43DA2D9F4B}"/>
               </a:ext>
             </a:extLst>
           </p:cNvPr>
@@ -7028,14 +6483,15 @@
         </p:nvPicPr>
         <p:blipFill>
           <a:blip r:embed="rId3"/>
+          <a:srcRect t="16133" b="7963"/>
           <a:stretch>
             <a:fillRect/>
           </a:stretch>
         </p:blipFill>
         <p:spPr>
           <a:xfrm>
-            <a:off x="2878751" y="4816809"/>
-            <a:ext cx="17929371" cy="4082381"/>
+            <a:off x="7621587" y="2212848"/>
+            <a:ext cx="9144000" cy="10410958"/>
           </a:xfrm>
           <a:prstGeom prst="rect">
             <a:avLst/>
@@ -7113,14 +6569,14 @@
               <a:buNone/>
             </a:pPr>
             <a:r>
-              <a:rPr lang="en-US" b="1">
+              <a:rPr lang="en-US" b="1" dirty="0" err="1">
                 <a:solidFill>
                   <a:schemeClr val="lt1"/>
                 </a:solidFill>
               </a:rPr>
-              <a:t>Thank you</a:t>
-            </a:r>
-            <a:endParaRPr b="1">
+              <a:t>Preguntas</a:t>
+            </a:r>
+            <a:endParaRPr b="1" dirty="0">
               <a:solidFill>
                 <a:schemeClr val="lt1"/>
               </a:solidFill>

--- a/PasskeysPPT.pptx
+++ b/PasskeysPPT.pptx
@@ -343,6 +343,13 @@
             <a:tailEnd type="none" w="sm" len="sm"/>
           </a:ln>
         </p:spPr>
+        <p:txBody>
+          <a:bodyPr/>
+          <a:lstStyle/>
+          <a:p>
+            <a:endParaRPr lang="es-ES"/>
+          </a:p>
+        </p:txBody>
       </p:sp>
       <p:sp>
         <p:nvSpPr>
@@ -779,6 +786,13 @@
             <a:tailEnd type="none" w="sm" len="sm"/>
           </a:ln>
         </p:spPr>
+        <p:txBody>
+          <a:bodyPr/>
+          <a:lstStyle/>
+          <a:p>
+            <a:endParaRPr lang="es-ES"/>
+          </a:p>
+        </p:txBody>
       </p:sp>
       <p:sp>
         <p:nvSpPr>
@@ -933,6 +947,13 @@
             </a:pathLst>
           </a:custGeom>
         </p:spPr>
+        <p:txBody>
+          <a:bodyPr/>
+          <a:lstStyle/>
+          <a:p>
+            <a:endParaRPr lang="es-ES"/>
+          </a:p>
+        </p:txBody>
       </p:sp>
     </p:spTree>
   </p:cSld>
@@ -1037,6 +1058,13 @@
             </a:pathLst>
           </a:custGeom>
         </p:spPr>
+        <p:txBody>
+          <a:bodyPr/>
+          <a:lstStyle/>
+          <a:p>
+            <a:endParaRPr lang="es-ES"/>
+          </a:p>
+        </p:txBody>
       </p:sp>
     </p:spTree>
   </p:cSld>
@@ -1141,6 +1169,13 @@
             </a:pathLst>
           </a:custGeom>
         </p:spPr>
+        <p:txBody>
+          <a:bodyPr/>
+          <a:lstStyle/>
+          <a:p>
+            <a:endParaRPr lang="es-ES"/>
+          </a:p>
+        </p:txBody>
       </p:sp>
     </p:spTree>
   </p:cSld>
@@ -1263,6 +1298,13 @@
             </a:pathLst>
           </a:custGeom>
         </p:spPr>
+        <p:txBody>
+          <a:bodyPr/>
+          <a:lstStyle/>
+          <a:p>
+            <a:endParaRPr lang="es-ES"/>
+          </a:p>
+        </p:txBody>
       </p:sp>
     </p:spTree>
     <p:extLst>
@@ -1372,6 +1414,13 @@
             </a:pathLst>
           </a:custGeom>
         </p:spPr>
+        <p:txBody>
+          <a:bodyPr/>
+          <a:lstStyle/>
+          <a:p>
+            <a:endParaRPr lang="es-ES"/>
+          </a:p>
+        </p:txBody>
       </p:sp>
     </p:spTree>
   </p:cSld>
@@ -1476,6 +1525,13 @@
             </a:pathLst>
           </a:custGeom>
         </p:spPr>
+        <p:txBody>
+          <a:bodyPr/>
+          <a:lstStyle/>
+          <a:p>
+            <a:endParaRPr lang="es-ES"/>
+          </a:p>
+        </p:txBody>
       </p:sp>
     </p:spTree>
   </p:cSld>
@@ -1552,6 +1608,13 @@
             <a:tailEnd type="none" w="sm" len="sm"/>
           </a:ln>
         </p:spPr>
+        <p:txBody>
+          <a:bodyPr/>
+          <a:lstStyle/>
+          <a:p>
+            <a:endParaRPr lang="es-ES"/>
+          </a:p>
+        </p:txBody>
       </p:sp>
       <p:sp>
         <p:nvSpPr>
@@ -3348,11 +3411,7 @@
             </a:pPr>
             <a:r>
               <a:rPr lang="en-US" dirty="0"/>
-              <a:t>Going </a:t>
-            </a:r>
-            <a:r>
-              <a:rPr lang="en-US" dirty="0" err="1"/>
-              <a:t>Passwordless</a:t>
+              <a:t>Going Passwordless</a:t>
             </a:r>
             <a:endParaRPr dirty="0"/>
           </a:p>
@@ -3409,23 +3468,7 @@
                   <a:schemeClr val="accent5"/>
                 </a:solidFill>
               </a:rPr>
-              <a:t>Passkeys </a:t>
-            </a:r>
-            <a:r>
-              <a:rPr lang="en-US" sz="12000" dirty="0" err="1">
-                <a:solidFill>
-                  <a:schemeClr val="accent5"/>
-                </a:solidFill>
-              </a:rPr>
-              <a:t>en</a:t>
-            </a:r>
-            <a:r>
-              <a:rPr lang="en-US" sz="12000" dirty="0">
-                <a:solidFill>
-                  <a:schemeClr val="accent5"/>
-                </a:solidFill>
-              </a:rPr>
-              <a:t> ASP.NET Core</a:t>
+              <a:t>Passkeys en ASP.NET Core</a:t>
             </a:r>
             <a:endParaRPr sz="12000" dirty="0"/>
           </a:p>
@@ -4108,7 +4151,7 @@
               <a:buNone/>
             </a:pPr>
             <a:r>
-              <a:rPr lang="en-US" sz="3600" b="0" u="none" dirty="0" err="1">
+              <a:rPr lang="en-US" sz="3600" b="0" u="none" dirty="0">
                 <a:solidFill>
                   <a:srgbClr val="BBA7F1"/>
                 </a:solidFill>
@@ -4117,79 +4160,7 @@
                 <a:cs typeface="Poppins"/>
                 <a:sym typeface="Poppins"/>
               </a:rPr>
-              <a:t>Necesitamos</a:t>
-            </a:r>
-            <a:r>
-              <a:rPr lang="en-US" sz="3600" b="0" u="none" dirty="0">
-                <a:solidFill>
-                  <a:srgbClr val="BBA7F1"/>
-                </a:solidFill>
-                <a:latin typeface="Poppins"/>
-                <a:ea typeface="Poppins"/>
-                <a:cs typeface="Poppins"/>
-                <a:sym typeface="Poppins"/>
-              </a:rPr>
-              <a:t> </a:t>
-            </a:r>
-            <a:r>
-              <a:rPr lang="en-US" sz="3600" b="0" u="none" dirty="0" err="1">
-                <a:solidFill>
-                  <a:srgbClr val="BBA7F1"/>
-                </a:solidFill>
-                <a:latin typeface="Poppins"/>
-                <a:ea typeface="Poppins"/>
-                <a:cs typeface="Poppins"/>
-                <a:sym typeface="Poppins"/>
-              </a:rPr>
-              <a:t>una</a:t>
-            </a:r>
-            <a:r>
-              <a:rPr lang="en-US" sz="3600" b="0" u="none" dirty="0">
-                <a:solidFill>
-                  <a:srgbClr val="BBA7F1"/>
-                </a:solidFill>
-                <a:latin typeface="Poppins"/>
-                <a:ea typeface="Poppins"/>
-                <a:cs typeface="Poppins"/>
-                <a:sym typeface="Poppins"/>
-              </a:rPr>
-              <a:t> </a:t>
-            </a:r>
-            <a:r>
-              <a:rPr lang="en-US" sz="3600" b="0" u="none" dirty="0" err="1">
-                <a:solidFill>
-                  <a:srgbClr val="BBA7F1"/>
-                </a:solidFill>
-                <a:latin typeface="Poppins"/>
-                <a:ea typeface="Poppins"/>
-                <a:cs typeface="Poppins"/>
-                <a:sym typeface="Poppins"/>
-              </a:rPr>
-              <a:t>alternativa</a:t>
-            </a:r>
-            <a:r>
-              <a:rPr lang="en-US" sz="3600" b="0" u="none" dirty="0">
-                <a:solidFill>
-                  <a:srgbClr val="BBA7F1"/>
-                </a:solidFill>
-                <a:latin typeface="Poppins"/>
-                <a:ea typeface="Poppins"/>
-                <a:cs typeface="Poppins"/>
-                <a:sym typeface="Poppins"/>
-              </a:rPr>
-              <a:t> </a:t>
-            </a:r>
-            <a:r>
-              <a:rPr lang="en-US" sz="3600" b="0" u="none" dirty="0" err="1">
-                <a:solidFill>
-                  <a:srgbClr val="BBA7F1"/>
-                </a:solidFill>
-                <a:latin typeface="Poppins"/>
-                <a:ea typeface="Poppins"/>
-                <a:cs typeface="Poppins"/>
-                <a:sym typeface="Poppins"/>
-              </a:rPr>
-              <a:t>mejor</a:t>
+              <a:t>Necesitamos una alternativa mejor</a:t>
             </a:r>
             <a:endParaRPr sz="3600" b="0" u="none" dirty="0">
               <a:solidFill>
@@ -4350,7 +4321,7 @@
               <a:buChar char="•"/>
             </a:pPr>
             <a:r>
-              <a:rPr lang="en-US" sz="4000" b="0" i="0" u="none" strike="noStrike" cap="none">
+              <a:rPr lang="en-US" sz="4000" b="0" i="0" u="none" strike="noStrike" cap="none" dirty="0">
                 <a:solidFill>
                   <a:srgbClr val="BBA7F1"/>
                 </a:solidFill>
@@ -4362,7 +4333,7 @@
               <a:t> </a:t>
             </a:r>
             <a:r>
-              <a:rPr lang="en-US" sz="4000" b="0" i="0" u="none" strike="noStrike" cap="none">
+              <a:rPr lang="en-US" sz="4000" b="0" i="0" u="none" strike="noStrike" cap="none" dirty="0" err="1">
                 <a:solidFill>
                   <a:srgbClr val="BBA7F1"/>
                 </a:solidFill>
@@ -4371,9 +4342,81 @@
                 <a:cs typeface="Poppins"/>
                 <a:sym typeface="Poppins"/>
               </a:rPr>
-              <a:t>Credenciales basadas en criptografía de clave pública</a:t>
-            </a:r>
-            <a:endParaRPr/>
+              <a:t>Credenciales</a:t>
+            </a:r>
+            <a:r>
+              <a:rPr lang="en-US" sz="4000" b="0" i="0" u="none" strike="noStrike" cap="none" dirty="0">
+                <a:solidFill>
+                  <a:srgbClr val="BBA7F1"/>
+                </a:solidFill>
+                <a:latin typeface="Poppins"/>
+                <a:ea typeface="Poppins"/>
+                <a:cs typeface="Poppins"/>
+                <a:sym typeface="Poppins"/>
+              </a:rPr>
+              <a:t> </a:t>
+            </a:r>
+            <a:r>
+              <a:rPr lang="en-US" sz="4000" b="0" i="0" u="none" strike="noStrike" cap="none" dirty="0" err="1">
+                <a:solidFill>
+                  <a:srgbClr val="BBA7F1"/>
+                </a:solidFill>
+                <a:latin typeface="Poppins"/>
+                <a:ea typeface="Poppins"/>
+                <a:cs typeface="Poppins"/>
+                <a:sym typeface="Poppins"/>
+              </a:rPr>
+              <a:t>basadas</a:t>
+            </a:r>
+            <a:r>
+              <a:rPr lang="en-US" sz="4000" b="0" i="0" u="none" strike="noStrike" cap="none" dirty="0">
+                <a:solidFill>
+                  <a:srgbClr val="BBA7F1"/>
+                </a:solidFill>
+                <a:latin typeface="Poppins"/>
+                <a:ea typeface="Poppins"/>
+                <a:cs typeface="Poppins"/>
+                <a:sym typeface="Poppins"/>
+              </a:rPr>
+              <a:t> en </a:t>
+            </a:r>
+            <a:r>
+              <a:rPr lang="en-US" sz="4000" b="0" i="0" u="none" strike="noStrike" cap="none" dirty="0" err="1">
+                <a:solidFill>
+                  <a:srgbClr val="BBA7F1"/>
+                </a:solidFill>
+                <a:latin typeface="Poppins"/>
+                <a:ea typeface="Poppins"/>
+                <a:cs typeface="Poppins"/>
+                <a:sym typeface="Poppins"/>
+              </a:rPr>
+              <a:t>criptografía</a:t>
+            </a:r>
+            <a:r>
+              <a:rPr lang="en-US" sz="4000" b="0" i="0" u="none" strike="noStrike" cap="none" dirty="0">
+                <a:solidFill>
+                  <a:srgbClr val="BBA7F1"/>
+                </a:solidFill>
+                <a:latin typeface="Poppins"/>
+                <a:ea typeface="Poppins"/>
+                <a:cs typeface="Poppins"/>
+                <a:sym typeface="Poppins"/>
+              </a:rPr>
+              <a:t> de clave </a:t>
+            </a:r>
+            <a:r>
+              <a:rPr lang="en-US" sz="4000" b="0" i="0" u="none" strike="noStrike" cap="none" dirty="0" err="1">
+                <a:solidFill>
+                  <a:srgbClr val="BBA7F1"/>
+                </a:solidFill>
+                <a:latin typeface="Poppins"/>
+                <a:ea typeface="Poppins"/>
+                <a:cs typeface="Poppins"/>
+                <a:sym typeface="Poppins"/>
+              </a:rPr>
+              <a:t>pública</a:t>
+            </a:r>
+            <a:endParaRPr dirty="0"/>
           </a:p>
           <a:p>
             <a:pPr marL="0" marR="0" lvl="0" indent="0" algn="l" rtl="0">
@@ -4393,7 +4436,7 @@
               <a:buFont typeface="Calibri"/>
               <a:buNone/>
             </a:pPr>
-            <a:endParaRPr sz="4000" b="0" i="0" u="none" strike="noStrike" cap="none">
+            <a:endParaRPr sz="4000" b="0" i="0" u="none" strike="noStrike" cap="none" dirty="0">
               <a:solidFill>
                 <a:srgbClr val="BBA7F1"/>
               </a:solidFill>
@@ -4422,7 +4465,7 @@
               <a:buChar char="•"/>
             </a:pPr>
             <a:r>
-              <a:rPr lang="en-US" sz="4000">
+              <a:rPr lang="en-US" sz="4000" dirty="0">
                 <a:solidFill>
                   <a:srgbClr val="BBA7F1"/>
                 </a:solidFill>
@@ -4434,7 +4477,7 @@
               <a:t> </a:t>
             </a:r>
             <a:r>
-              <a:rPr lang="en-US" sz="4000" b="0" i="0" u="none" strike="noStrike" cap="none">
+              <a:rPr lang="en-US" sz="4000" b="0" i="0" u="none" strike="noStrike" cap="none" dirty="0" err="1">
                 <a:solidFill>
                   <a:srgbClr val="BBA7F1"/>
                 </a:solidFill>
@@ -4443,9 +4486,57 @@
                 <a:cs typeface="Poppins"/>
                 <a:sym typeface="Poppins"/>
               </a:rPr>
-              <a:t>Funcionan con biometría o PIN del dispositivo</a:t>
-            </a:r>
-            <a:endParaRPr/>
+              <a:t>Funcionan</a:t>
+            </a:r>
+            <a:r>
+              <a:rPr lang="en-US" sz="4000" b="0" i="0" u="none" strike="noStrike" cap="none" dirty="0">
+                <a:solidFill>
+                  <a:srgbClr val="BBA7F1"/>
+                </a:solidFill>
+                <a:latin typeface="Poppins"/>
+                <a:ea typeface="Poppins"/>
+                <a:cs typeface="Poppins"/>
+                <a:sym typeface="Poppins"/>
+              </a:rPr>
+              <a:t> con </a:t>
+            </a:r>
+            <a:r>
+              <a:rPr lang="en-US" sz="4000" b="0" i="0" u="none" strike="noStrike" cap="none" dirty="0" err="1">
+                <a:solidFill>
+                  <a:srgbClr val="BBA7F1"/>
+                </a:solidFill>
+                <a:latin typeface="Poppins"/>
+                <a:ea typeface="Poppins"/>
+                <a:cs typeface="Poppins"/>
+                <a:sym typeface="Poppins"/>
+              </a:rPr>
+              <a:t>biometría</a:t>
+            </a:r>
+            <a:r>
+              <a:rPr lang="en-US" sz="4000" b="0" i="0" u="none" strike="noStrike" cap="none" dirty="0">
+                <a:solidFill>
+                  <a:srgbClr val="BBA7F1"/>
+                </a:solidFill>
+                <a:latin typeface="Poppins"/>
+                <a:ea typeface="Poppins"/>
+                <a:cs typeface="Poppins"/>
+                <a:sym typeface="Poppins"/>
+              </a:rPr>
+              <a:t> o PIN del </a:t>
+            </a:r>
+            <a:r>
+              <a:rPr lang="en-US" sz="4000" b="0" i="0" u="none" strike="noStrike" cap="none" dirty="0" err="1">
+                <a:solidFill>
+                  <a:srgbClr val="BBA7F1"/>
+                </a:solidFill>
+                <a:latin typeface="Poppins"/>
+                <a:ea typeface="Poppins"/>
+                <a:cs typeface="Poppins"/>
+                <a:sym typeface="Poppins"/>
+              </a:rPr>
+              <a:t>dispositivo</a:t>
+            </a:r>
+            <a:endParaRPr dirty="0"/>
           </a:p>
           <a:p>
             <a:pPr marL="0" marR="0" lvl="0" indent="0" algn="l" rtl="0">
@@ -4465,7 +4556,7 @@
               <a:buFont typeface="Calibri"/>
               <a:buNone/>
             </a:pPr>
-            <a:endParaRPr sz="4000" b="0" i="0" u="none" strike="noStrike" cap="none">
+            <a:endParaRPr sz="4000" b="0" i="0" u="none" strike="noStrike" cap="none" dirty="0">
               <a:solidFill>
                 <a:srgbClr val="BBA7F1"/>
               </a:solidFill>
@@ -4494,7 +4585,7 @@
               <a:buChar char="•"/>
             </a:pPr>
             <a:r>
-              <a:rPr lang="en-US" sz="4000" b="0" i="0" u="none" strike="noStrike" cap="none">
+              <a:rPr lang="en-US" sz="4000" b="0" i="0" u="none" strike="noStrike" cap="none" dirty="0">
                 <a:solidFill>
                   <a:srgbClr val="BBA7F1"/>
                 </a:solidFill>
@@ -4503,9 +4594,33 @@
                 <a:cs typeface="Poppins"/>
                 <a:sym typeface="Poppins"/>
               </a:rPr>
-              <a:t> Resistentes al phishing</a:t>
-            </a:r>
-            <a:endParaRPr/>
+              <a:t> </a:t>
+            </a:r>
+            <a:r>
+              <a:rPr lang="en-US" sz="4000" b="0" i="0" u="none" strike="noStrike" cap="none" dirty="0" err="1">
+                <a:solidFill>
+                  <a:srgbClr val="BBA7F1"/>
+                </a:solidFill>
+                <a:latin typeface="Poppins"/>
+                <a:ea typeface="Poppins"/>
+                <a:cs typeface="Poppins"/>
+                <a:sym typeface="Poppins"/>
+              </a:rPr>
+              <a:t>Resistentes</a:t>
+            </a:r>
+            <a:r>
+              <a:rPr lang="en-US" sz="4000" b="0" i="0" u="none" strike="noStrike" cap="none" dirty="0">
+                <a:solidFill>
+                  <a:srgbClr val="BBA7F1"/>
+                </a:solidFill>
+                <a:latin typeface="Poppins"/>
+                <a:ea typeface="Poppins"/>
+                <a:cs typeface="Poppins"/>
+                <a:sym typeface="Poppins"/>
+              </a:rPr>
+              <a:t> al phishing</a:t>
+            </a:r>
+            <a:endParaRPr dirty="0"/>
           </a:p>
           <a:p>
             <a:pPr marL="0" marR="0" lvl="0" indent="0" algn="l" rtl="0">
@@ -4520,7 +4635,7 @@
               </a:spcAft>
               <a:buNone/>
             </a:pPr>
-            <a:endParaRPr sz="4000" b="0" i="0" u="none" strike="noStrike" cap="none">
+            <a:endParaRPr sz="4000" b="0" i="0" u="none" strike="noStrike" cap="none" dirty="0">
               <a:solidFill>
                 <a:srgbClr val="BBA7F1"/>
               </a:solidFill>
@@ -5195,31 +5310,7 @@
                 <a:cs typeface="Poppins"/>
                 <a:sym typeface="Poppins"/>
               </a:rPr>
-              <a:t>Passkeys </a:t>
-            </a:r>
-            <a:r>
-              <a:rPr lang="en-US" sz="10000" dirty="0" err="1">
-                <a:solidFill>
-                  <a:schemeClr val="lt1"/>
-                </a:solidFill>
-                <a:latin typeface="Poppins"/>
-                <a:ea typeface="Poppins"/>
-                <a:cs typeface="Poppins"/>
-                <a:sym typeface="Poppins"/>
-              </a:rPr>
-              <a:t>en</a:t>
-            </a:r>
-            <a:r>
-              <a:rPr lang="en-US" sz="10000" dirty="0">
-                <a:solidFill>
-                  <a:schemeClr val="lt1"/>
-                </a:solidFill>
-                <a:latin typeface="Poppins"/>
-                <a:ea typeface="Poppins"/>
-                <a:cs typeface="Poppins"/>
-                <a:sym typeface="Poppins"/>
-              </a:rPr>
-              <a:t> .NET</a:t>
+              <a:t>Passkeys en .NET</a:t>
             </a:r>
             <a:endParaRPr dirty="0"/>
           </a:p>
@@ -6535,7 +6626,7 @@
         </p:nvSpPr>
         <p:spPr>
           <a:xfrm>
-            <a:off x="1039108" y="6078642"/>
+            <a:off x="1148836" y="1872402"/>
             <a:ext cx="7010400" cy="1289311"/>
           </a:xfrm>
           <a:prstGeom prst="rect">
@@ -6569,7 +6660,7 @@
               <a:buNone/>
             </a:pPr>
             <a:r>
-              <a:rPr lang="en-US" b="1" dirty="0" err="1">
+              <a:rPr lang="en-US" b="1" dirty="0">
                 <a:solidFill>
                   <a:schemeClr val="lt1"/>
                 </a:solidFill>
@@ -6580,6 +6671,108 @@
               <a:solidFill>
                 <a:schemeClr val="lt1"/>
               </a:solidFill>
+            </a:endParaRPr>
+          </a:p>
+        </p:txBody>
+      </p:sp>
+      <p:pic>
+        <p:nvPicPr>
+          <p:cNvPr id="3" name="Imagen 2" descr="Código QR&#10;&#10;El contenido generado por IA puede ser incorrecto.">
+            <a:extLst>
+              <a:ext uri="{FF2B5EF4-FFF2-40B4-BE49-F238E27FC236}">
+                <a16:creationId xmlns:a16="http://schemas.microsoft.com/office/drawing/2014/main" id="{349F0E00-B82C-2245-25FB-35173DB2CDD8}"/>
+              </a:ext>
+            </a:extLst>
+          </p:cNvPr>
+          <p:cNvPicPr>
+            <a:picLocks noChangeAspect="1"/>
+          </p:cNvPicPr>
+          <p:nvPr/>
+        </p:nvPicPr>
+        <p:blipFill>
+          <a:blip r:embed="rId3"/>
+          <a:stretch>
+            <a:fillRect/>
+          </a:stretch>
+        </p:blipFill>
+        <p:spPr>
+          <a:xfrm>
+            <a:off x="1350949" y="5388953"/>
+            <a:ext cx="4924623" cy="4990727"/>
+          </a:xfrm>
+          <a:prstGeom prst="rect">
+            <a:avLst/>
+          </a:prstGeom>
+        </p:spPr>
+      </p:pic>
+      <p:sp>
+        <p:nvSpPr>
+          <p:cNvPr id="4" name="Google Shape;545;p2">
+            <a:extLst>
+              <a:ext uri="{FF2B5EF4-FFF2-40B4-BE49-F238E27FC236}">
+                <a16:creationId xmlns:a16="http://schemas.microsoft.com/office/drawing/2014/main" id="{A07976EF-EC82-306B-D27F-95AE8FAFF480}"/>
+              </a:ext>
+            </a:extLst>
+          </p:cNvPr>
+          <p:cNvSpPr txBox="1"/>
+          <p:nvPr/>
+        </p:nvSpPr>
+        <p:spPr>
+          <a:xfrm>
+            <a:off x="1350949" y="4554178"/>
+            <a:ext cx="4924623" cy="834775"/>
+          </a:xfrm>
+          <a:prstGeom prst="rect">
+            <a:avLst/>
+          </a:prstGeom>
+          <a:noFill/>
+          <a:ln>
+            <a:noFill/>
+          </a:ln>
+        </p:spPr>
+        <p:txBody>
+          <a:bodyPr spcFirstLastPara="1" wrap="square" lIns="91425" tIns="45700" rIns="91425" bIns="45700" anchor="t" anchorCtr="0">
+            <a:noAutofit/>
+          </a:bodyPr>
+          <a:lstStyle/>
+          <a:p>
+            <a:pPr marL="0" marR="0" lvl="0" indent="0" algn="ctr" rtl="0">
+              <a:lnSpc>
+                <a:spcPct val="77777"/>
+              </a:lnSpc>
+              <a:spcBef>
+                <a:spcPts val="0"/>
+              </a:spcBef>
+              <a:spcAft>
+                <a:spcPts val="0"/>
+              </a:spcAft>
+              <a:buClr>
+                <a:srgbClr val="BBA7F1"/>
+              </a:buClr>
+              <a:buSzPts val="3600"/>
+              <a:buFont typeface="Arial"/>
+              <a:buNone/>
+            </a:pPr>
+            <a:r>
+              <a:rPr lang="en-US" sz="3600" b="0" u="none" dirty="0">
+                <a:solidFill>
+                  <a:srgbClr val="BBA7F1"/>
+                </a:solidFill>
+                <a:latin typeface="Poppins"/>
+                <a:ea typeface="Poppins"/>
+                <a:cs typeface="Poppins"/>
+                <a:sym typeface="Poppins"/>
+              </a:rPr>
+              <a:t>Repositorio GitHub</a:t>
+            </a:r>
+            <a:endParaRPr sz="3600" b="0" u="none" dirty="0">
+              <a:solidFill>
+                <a:srgbClr val="BBA7F1"/>
+              </a:solidFill>
+              <a:latin typeface="Poppins"/>
+              <a:ea typeface="Poppins"/>
+              <a:cs typeface="Poppins"/>
+              <a:sym typeface="Poppins"/>
             </a:endParaRPr>
           </a:p>
         </p:txBody>
